--- a/lesson_3/presentation/rlt_fir.pptx
+++ b/lesson_3/presentation/rlt_fir.pptx
@@ -7,7 +7,6 @@
   <p:sldIdLst>
     <p:sldId id="256" r:id="rId2"/>
     <p:sldId id="257" r:id="rId3"/>
-    <p:sldId id="262" r:id="rId4"/>
   </p:sldIdLst>
   <p:sldSz cx="12192000" cy="6858000"/>
   <p:notesSz cx="6858000" cy="9144000"/>
@@ -130,18 +129,18 @@
   <pc:docChgLst>
     <pc:chgData name="Aleksei Rostov" userId="71d804e0f57b7422" providerId="LiveId" clId="{6EDFC53C-354F-4CE7-AE3F-4103E11DE4F1}"/>
     <pc:docChg chg="undo custSel delSld modSld">
-      <pc:chgData name="Aleksei Rostov" userId="71d804e0f57b7422" providerId="LiveId" clId="{6EDFC53C-354F-4CE7-AE3F-4103E11DE4F1}" dt="2020-11-25T15:00:23.496" v="256" actId="47"/>
+      <pc:chgData name="Aleksei Rostov" userId="71d804e0f57b7422" providerId="LiveId" clId="{6EDFC53C-354F-4CE7-AE3F-4103E11DE4F1}" dt="2020-11-26T07:07:36.750" v="308" actId="1076"/>
       <pc:docMkLst>
         <pc:docMk/>
       </pc:docMkLst>
       <pc:sldChg chg="modSp mod">
-        <pc:chgData name="Aleksei Rostov" userId="71d804e0f57b7422" providerId="LiveId" clId="{6EDFC53C-354F-4CE7-AE3F-4103E11DE4F1}" dt="2020-11-25T14:27:11.152" v="40" actId="1076"/>
+        <pc:chgData name="Aleksei Rostov" userId="71d804e0f57b7422" providerId="LiveId" clId="{6EDFC53C-354F-4CE7-AE3F-4103E11DE4F1}" dt="2020-11-26T07:04:56.998" v="278" actId="1076"/>
         <pc:sldMkLst>
           <pc:docMk/>
           <pc:sldMk cId="2505503612" sldId="256"/>
         </pc:sldMkLst>
         <pc:spChg chg="mod">
-          <ac:chgData name="Aleksei Rostov" userId="71d804e0f57b7422" providerId="LiveId" clId="{6EDFC53C-354F-4CE7-AE3F-4103E11DE4F1}" dt="2020-11-25T14:27:11.152" v="40" actId="1076"/>
+          <ac:chgData name="Aleksei Rostov" userId="71d804e0f57b7422" providerId="LiveId" clId="{6EDFC53C-354F-4CE7-AE3F-4103E11DE4F1}" dt="2020-11-26T07:04:56.998" v="278" actId="1076"/>
           <ac:spMkLst>
             <pc:docMk/>
             <pc:sldMk cId="2505503612" sldId="256"/>
@@ -150,11 +149,19 @@
         </pc:spChg>
       </pc:sldChg>
       <pc:sldChg chg="addSp delSp modSp mod">
-        <pc:chgData name="Aleksei Rostov" userId="71d804e0f57b7422" providerId="LiveId" clId="{6EDFC53C-354F-4CE7-AE3F-4103E11DE4F1}" dt="2020-11-25T14:28:42.607" v="87" actId="1076"/>
+        <pc:chgData name="Aleksei Rostov" userId="71d804e0f57b7422" providerId="LiveId" clId="{6EDFC53C-354F-4CE7-AE3F-4103E11DE4F1}" dt="2020-11-26T07:07:36.750" v="308" actId="1076"/>
         <pc:sldMkLst>
           <pc:docMk/>
           <pc:sldMk cId="552805938" sldId="257"/>
         </pc:sldMkLst>
+        <pc:spChg chg="mod">
+          <ac:chgData name="Aleksei Rostov" userId="71d804e0f57b7422" providerId="LiveId" clId="{6EDFC53C-354F-4CE7-AE3F-4103E11DE4F1}" dt="2020-11-26T07:05:36.447" v="300" actId="20577"/>
+          <ac:spMkLst>
+            <pc:docMk/>
+            <pc:sldMk cId="552805938" sldId="257"/>
+            <ac:spMk id="4" creationId="{00000000-0000-0000-0000-000000000000}"/>
+          </ac:spMkLst>
+        </pc:spChg>
         <pc:spChg chg="del">
           <ac:chgData name="Aleksei Rostov" userId="71d804e0f57b7422" providerId="LiveId" clId="{6EDFC53C-354F-4CE7-AE3F-4103E11DE4F1}" dt="2020-11-25T14:28:09.216" v="53" actId="478"/>
           <ac:spMkLst>
@@ -164,13 +171,229 @@
           </ac:spMkLst>
         </pc:spChg>
         <pc:spChg chg="mod">
-          <ac:chgData name="Aleksei Rostov" userId="71d804e0f57b7422" providerId="LiveId" clId="{6EDFC53C-354F-4CE7-AE3F-4103E11DE4F1}" dt="2020-11-25T14:28:42.607" v="87" actId="1076"/>
+          <ac:chgData name="Aleksei Rostov" userId="71d804e0f57b7422" providerId="LiveId" clId="{6EDFC53C-354F-4CE7-AE3F-4103E11DE4F1}" dt="2020-11-26T07:02:32.246" v="260"/>
+          <ac:spMkLst>
+            <pc:docMk/>
+            <pc:sldMk cId="552805938" sldId="257"/>
+            <ac:spMk id="8" creationId="{4AB9ED6B-B2E5-450A-A292-39929D6529AE}"/>
+          </ac:spMkLst>
+        </pc:spChg>
+        <pc:spChg chg="mod">
+          <ac:chgData name="Aleksei Rostov" userId="71d804e0f57b7422" providerId="LiveId" clId="{6EDFC53C-354F-4CE7-AE3F-4103E11DE4F1}" dt="2020-11-26T07:07:30.621" v="307" actId="1076"/>
           <ac:spMkLst>
             <pc:docMk/>
             <pc:sldMk cId="552805938" sldId="257"/>
             <ac:spMk id="10" creationId="{00000000-0000-0000-0000-000000000000}"/>
           </ac:spMkLst>
         </pc:spChg>
+        <pc:spChg chg="mod">
+          <ac:chgData name="Aleksei Rostov" userId="71d804e0f57b7422" providerId="LiveId" clId="{6EDFC53C-354F-4CE7-AE3F-4103E11DE4F1}" dt="2020-11-26T07:02:32.246" v="260"/>
+          <ac:spMkLst>
+            <pc:docMk/>
+            <pc:sldMk cId="552805938" sldId="257"/>
+            <ac:spMk id="12" creationId="{BD1044D4-F7AD-4C2C-9E51-47148A76571E}"/>
+          </ac:spMkLst>
+        </pc:spChg>
+        <pc:spChg chg="mod">
+          <ac:chgData name="Aleksei Rostov" userId="71d804e0f57b7422" providerId="LiveId" clId="{6EDFC53C-354F-4CE7-AE3F-4103E11DE4F1}" dt="2020-11-26T07:02:32.246" v="260"/>
+          <ac:spMkLst>
+            <pc:docMk/>
+            <pc:sldMk cId="552805938" sldId="257"/>
+            <ac:spMk id="13" creationId="{306C838A-6241-4360-B78F-E3E2B623B69A}"/>
+          </ac:spMkLst>
+        </pc:spChg>
+        <pc:spChg chg="mod">
+          <ac:chgData name="Aleksei Rostov" userId="71d804e0f57b7422" providerId="LiveId" clId="{6EDFC53C-354F-4CE7-AE3F-4103E11DE4F1}" dt="2020-11-26T07:02:32.246" v="260"/>
+          <ac:spMkLst>
+            <pc:docMk/>
+            <pc:sldMk cId="552805938" sldId="257"/>
+            <ac:spMk id="14" creationId="{262694D2-CF39-4601-9E6B-E1E327B2DA1B}"/>
+          </ac:spMkLst>
+        </pc:spChg>
+        <pc:spChg chg="mod">
+          <ac:chgData name="Aleksei Rostov" userId="71d804e0f57b7422" providerId="LiveId" clId="{6EDFC53C-354F-4CE7-AE3F-4103E11DE4F1}" dt="2020-11-26T07:02:32.246" v="260"/>
+          <ac:spMkLst>
+            <pc:docMk/>
+            <pc:sldMk cId="552805938" sldId="257"/>
+            <ac:spMk id="25" creationId="{02D2D0A8-A5B4-45EF-A8AB-13E4BA2EC073}"/>
+          </ac:spMkLst>
+        </pc:spChg>
+        <pc:spChg chg="mod">
+          <ac:chgData name="Aleksei Rostov" userId="71d804e0f57b7422" providerId="LiveId" clId="{6EDFC53C-354F-4CE7-AE3F-4103E11DE4F1}" dt="2020-11-26T07:02:32.246" v="260"/>
+          <ac:spMkLst>
+            <pc:docMk/>
+            <pc:sldMk cId="552805938" sldId="257"/>
+            <ac:spMk id="26" creationId="{C5423DBF-9680-4E67-9C11-BC7BF5705237}"/>
+          </ac:spMkLst>
+        </pc:spChg>
+        <pc:spChg chg="mod">
+          <ac:chgData name="Aleksei Rostov" userId="71d804e0f57b7422" providerId="LiveId" clId="{6EDFC53C-354F-4CE7-AE3F-4103E11DE4F1}" dt="2020-11-26T07:02:32.246" v="260"/>
+          <ac:spMkLst>
+            <pc:docMk/>
+            <pc:sldMk cId="552805938" sldId="257"/>
+            <ac:spMk id="29" creationId="{91AD0709-7DEA-42DC-8EB4-20DC776BE6EF}"/>
+          </ac:spMkLst>
+        </pc:spChg>
+        <pc:spChg chg="mod">
+          <ac:chgData name="Aleksei Rostov" userId="71d804e0f57b7422" providerId="LiveId" clId="{6EDFC53C-354F-4CE7-AE3F-4103E11DE4F1}" dt="2020-11-26T07:02:32.246" v="260"/>
+          <ac:spMkLst>
+            <pc:docMk/>
+            <pc:sldMk cId="552805938" sldId="257"/>
+            <ac:spMk id="30" creationId="{E691F81F-4795-4730-A048-76D076DABD02}"/>
+          </ac:spMkLst>
+        </pc:spChg>
+        <pc:spChg chg="mod">
+          <ac:chgData name="Aleksei Rostov" userId="71d804e0f57b7422" providerId="LiveId" clId="{6EDFC53C-354F-4CE7-AE3F-4103E11DE4F1}" dt="2020-11-26T07:02:32.246" v="260"/>
+          <ac:spMkLst>
+            <pc:docMk/>
+            <pc:sldMk cId="552805938" sldId="257"/>
+            <ac:spMk id="31" creationId="{0662883E-4307-41CA-9534-41A9FF351465}"/>
+          </ac:spMkLst>
+        </pc:spChg>
+        <pc:spChg chg="mod">
+          <ac:chgData name="Aleksei Rostov" userId="71d804e0f57b7422" providerId="LiveId" clId="{6EDFC53C-354F-4CE7-AE3F-4103E11DE4F1}" dt="2020-11-26T07:02:32.246" v="260"/>
+          <ac:spMkLst>
+            <pc:docMk/>
+            <pc:sldMk cId="552805938" sldId="257"/>
+            <ac:spMk id="32" creationId="{84F86089-4CEB-4EAF-9C7C-87D1E676ECF1}"/>
+          </ac:spMkLst>
+        </pc:spChg>
+        <pc:spChg chg="mod">
+          <ac:chgData name="Aleksei Rostov" userId="71d804e0f57b7422" providerId="LiveId" clId="{6EDFC53C-354F-4CE7-AE3F-4103E11DE4F1}" dt="2020-11-26T07:02:32.246" v="260"/>
+          <ac:spMkLst>
+            <pc:docMk/>
+            <pc:sldMk cId="552805938" sldId="257"/>
+            <ac:spMk id="33" creationId="{74D62312-DFB3-4F74-8ECB-2C5FC4C35FA4}"/>
+          </ac:spMkLst>
+        </pc:spChg>
+        <pc:spChg chg="mod">
+          <ac:chgData name="Aleksei Rostov" userId="71d804e0f57b7422" providerId="LiveId" clId="{6EDFC53C-354F-4CE7-AE3F-4103E11DE4F1}" dt="2020-11-26T07:02:32.246" v="260"/>
+          <ac:spMkLst>
+            <pc:docMk/>
+            <pc:sldMk cId="552805938" sldId="257"/>
+            <ac:spMk id="34" creationId="{38254416-CF37-4E1F-81C6-016E5AF4D5BD}"/>
+          </ac:spMkLst>
+        </pc:spChg>
+        <pc:spChg chg="mod">
+          <ac:chgData name="Aleksei Rostov" userId="71d804e0f57b7422" providerId="LiveId" clId="{6EDFC53C-354F-4CE7-AE3F-4103E11DE4F1}" dt="2020-11-26T07:02:32.246" v="260"/>
+          <ac:spMkLst>
+            <pc:docMk/>
+            <pc:sldMk cId="552805938" sldId="257"/>
+            <ac:spMk id="35" creationId="{5888F773-C96D-4A14-9B39-BF08B4BA80A8}"/>
+          </ac:spMkLst>
+        </pc:spChg>
+        <pc:spChg chg="mod">
+          <ac:chgData name="Aleksei Rostov" userId="71d804e0f57b7422" providerId="LiveId" clId="{6EDFC53C-354F-4CE7-AE3F-4103E11DE4F1}" dt="2020-11-26T07:03:01.714" v="265"/>
+          <ac:spMkLst>
+            <pc:docMk/>
+            <pc:sldMk cId="552805938" sldId="257"/>
+            <ac:spMk id="37" creationId="{AA258F64-561C-46BD-9C1B-B6251DE0AF00}"/>
+          </ac:spMkLst>
+        </pc:spChg>
+        <pc:spChg chg="mod">
+          <ac:chgData name="Aleksei Rostov" userId="71d804e0f57b7422" providerId="LiveId" clId="{6EDFC53C-354F-4CE7-AE3F-4103E11DE4F1}" dt="2020-11-26T07:03:01.714" v="265"/>
+          <ac:spMkLst>
+            <pc:docMk/>
+            <pc:sldMk cId="552805938" sldId="257"/>
+            <ac:spMk id="38" creationId="{A4D07CAB-B729-443C-8042-1B96B3C0AC53}"/>
+          </ac:spMkLst>
+        </pc:spChg>
+        <pc:spChg chg="mod">
+          <ac:chgData name="Aleksei Rostov" userId="71d804e0f57b7422" providerId="LiveId" clId="{6EDFC53C-354F-4CE7-AE3F-4103E11DE4F1}" dt="2020-11-26T07:03:01.714" v="265"/>
+          <ac:spMkLst>
+            <pc:docMk/>
+            <pc:sldMk cId="552805938" sldId="257"/>
+            <ac:spMk id="39" creationId="{5A155871-4E5C-4CED-82BB-1E2E50B3E4DB}"/>
+          </ac:spMkLst>
+        </pc:spChg>
+        <pc:spChg chg="mod">
+          <ac:chgData name="Aleksei Rostov" userId="71d804e0f57b7422" providerId="LiveId" clId="{6EDFC53C-354F-4CE7-AE3F-4103E11DE4F1}" dt="2020-11-26T07:03:01.714" v="265"/>
+          <ac:spMkLst>
+            <pc:docMk/>
+            <pc:sldMk cId="552805938" sldId="257"/>
+            <ac:spMk id="40" creationId="{D8128254-195F-41C0-9E9D-354557804B08}"/>
+          </ac:spMkLst>
+        </pc:spChg>
+        <pc:spChg chg="mod">
+          <ac:chgData name="Aleksei Rostov" userId="71d804e0f57b7422" providerId="LiveId" clId="{6EDFC53C-354F-4CE7-AE3F-4103E11DE4F1}" dt="2020-11-26T07:03:01.714" v="265"/>
+          <ac:spMkLst>
+            <pc:docMk/>
+            <pc:sldMk cId="552805938" sldId="257"/>
+            <ac:spMk id="41" creationId="{335671CE-4BD4-48AD-9DA4-C6D2959E8DBB}"/>
+          </ac:spMkLst>
+        </pc:spChg>
+        <pc:spChg chg="mod">
+          <ac:chgData name="Aleksei Rostov" userId="71d804e0f57b7422" providerId="LiveId" clId="{6EDFC53C-354F-4CE7-AE3F-4103E11DE4F1}" dt="2020-11-26T07:03:01.714" v="265"/>
+          <ac:spMkLst>
+            <pc:docMk/>
+            <pc:sldMk cId="552805938" sldId="257"/>
+            <ac:spMk id="42" creationId="{B172AEEF-0045-4C0E-B600-CF791B983C9E}"/>
+          </ac:spMkLst>
+        </pc:spChg>
+        <pc:spChg chg="mod">
+          <ac:chgData name="Aleksei Rostov" userId="71d804e0f57b7422" providerId="LiveId" clId="{6EDFC53C-354F-4CE7-AE3F-4103E11DE4F1}" dt="2020-11-26T07:04:13.630" v="274" actId="1076"/>
+          <ac:spMkLst>
+            <pc:docMk/>
+            <pc:sldMk cId="552805938" sldId="257"/>
+            <ac:spMk id="43" creationId="{1F2C5EAF-4499-466C-80F1-19508E9D7E1E}"/>
+          </ac:spMkLst>
+        </pc:spChg>
+        <pc:spChg chg="mod">
+          <ac:chgData name="Aleksei Rostov" userId="71d804e0f57b7422" providerId="LiveId" clId="{6EDFC53C-354F-4CE7-AE3F-4103E11DE4F1}" dt="2020-11-26T07:03:01.714" v="265"/>
+          <ac:spMkLst>
+            <pc:docMk/>
+            <pc:sldMk cId="552805938" sldId="257"/>
+            <ac:spMk id="44" creationId="{3402A565-7DAB-47A8-ADC8-852034CE4F8C}"/>
+          </ac:spMkLst>
+        </pc:spChg>
+        <pc:spChg chg="mod">
+          <ac:chgData name="Aleksei Rostov" userId="71d804e0f57b7422" providerId="LiveId" clId="{6EDFC53C-354F-4CE7-AE3F-4103E11DE4F1}" dt="2020-11-26T07:03:01.714" v="265"/>
+          <ac:spMkLst>
+            <pc:docMk/>
+            <pc:sldMk cId="552805938" sldId="257"/>
+            <ac:spMk id="45" creationId="{E9B284F8-9231-4156-AE7B-C9144FBEFE28}"/>
+          </ac:spMkLst>
+        </pc:spChg>
+        <pc:spChg chg="mod">
+          <ac:chgData name="Aleksei Rostov" userId="71d804e0f57b7422" providerId="LiveId" clId="{6EDFC53C-354F-4CE7-AE3F-4103E11DE4F1}" dt="2020-11-26T07:03:01.714" v="265"/>
+          <ac:spMkLst>
+            <pc:docMk/>
+            <pc:sldMk cId="552805938" sldId="257"/>
+            <ac:spMk id="46" creationId="{C1515C3E-7B42-46AD-9BD6-0B8D0D02954D}"/>
+          </ac:spMkLst>
+        </pc:spChg>
+        <pc:spChg chg="mod">
+          <ac:chgData name="Aleksei Rostov" userId="71d804e0f57b7422" providerId="LiveId" clId="{6EDFC53C-354F-4CE7-AE3F-4103E11DE4F1}" dt="2020-11-26T07:03:01.714" v="265"/>
+          <ac:spMkLst>
+            <pc:docMk/>
+            <pc:sldMk cId="552805938" sldId="257"/>
+            <ac:spMk id="47" creationId="{A8DA8782-F070-49A5-8FE7-FB23ED27F505}"/>
+          </ac:spMkLst>
+        </pc:spChg>
+        <pc:spChg chg="mod">
+          <ac:chgData name="Aleksei Rostov" userId="71d804e0f57b7422" providerId="LiveId" clId="{6EDFC53C-354F-4CE7-AE3F-4103E11DE4F1}" dt="2020-11-26T07:03:01.714" v="265"/>
+          <ac:spMkLst>
+            <pc:docMk/>
+            <pc:sldMk cId="552805938" sldId="257"/>
+            <ac:spMk id="48" creationId="{F6FCFE9B-1914-4BA6-B450-823E7BCD7EE3}"/>
+          </ac:spMkLst>
+        </pc:spChg>
+        <pc:grpChg chg="add mod">
+          <ac:chgData name="Aleksei Rostov" userId="71d804e0f57b7422" providerId="LiveId" clId="{6EDFC53C-354F-4CE7-AE3F-4103E11DE4F1}" dt="2020-11-26T07:07:36.750" v="308" actId="1076"/>
+          <ac:grpSpMkLst>
+            <pc:docMk/>
+            <pc:sldMk cId="552805938" sldId="257"/>
+            <ac:grpSpMk id="7" creationId="{FAF99FBF-5F1B-4F55-9C9E-7CFE48319AA2}"/>
+          </ac:grpSpMkLst>
+        </pc:grpChg>
+        <pc:grpChg chg="add mod">
+          <ac:chgData name="Aleksei Rostov" userId="71d804e0f57b7422" providerId="LiveId" clId="{6EDFC53C-354F-4CE7-AE3F-4103E11DE4F1}" dt="2020-11-26T07:03:44.895" v="272" actId="14100"/>
+          <ac:grpSpMkLst>
+            <pc:docMk/>
+            <pc:sldMk cId="552805938" sldId="257"/>
+            <ac:grpSpMk id="36" creationId="{0CC130FF-5E01-4162-8BB4-B38DA63943D8}"/>
+          </ac:grpSpMkLst>
+        </pc:grpChg>
         <pc:graphicFrameChg chg="del">
           <ac:chgData name="Aleksei Rostov" userId="71d804e0f57b7422" providerId="LiveId" clId="{6EDFC53C-354F-4CE7-AE3F-4103E11DE4F1}" dt="2020-11-25T14:28:03.014" v="50" actId="478"/>
           <ac:graphicFrameMkLst>
@@ -180,7 +403,7 @@
           </ac:graphicFrameMkLst>
         </pc:graphicFrameChg>
         <pc:picChg chg="add mod">
-          <ac:chgData name="Aleksei Rostov" userId="71d804e0f57b7422" providerId="LiveId" clId="{6EDFC53C-354F-4CE7-AE3F-4103E11DE4F1}" dt="2020-11-25T14:28:39.528" v="86" actId="14100"/>
+          <ac:chgData name="Aleksei Rostov" userId="71d804e0f57b7422" providerId="LiveId" clId="{6EDFC53C-354F-4CE7-AE3F-4103E11DE4F1}" dt="2020-11-26T07:07:27.837" v="306" actId="1076"/>
           <ac:picMkLst>
             <pc:docMk/>
             <pc:sldMk cId="552805938" sldId="257"/>
@@ -195,6 +418,102 @@
             <ac:picMk id="2052" creationId="{00000000-0000-0000-0000-000000000000}"/>
           </ac:picMkLst>
         </pc:picChg>
+        <pc:cxnChg chg="mod">
+          <ac:chgData name="Aleksei Rostov" userId="71d804e0f57b7422" providerId="LiveId" clId="{6EDFC53C-354F-4CE7-AE3F-4103E11DE4F1}" dt="2020-11-26T07:02:32.246" v="260"/>
+          <ac:cxnSpMkLst>
+            <pc:docMk/>
+            <pc:sldMk cId="552805938" sldId="257"/>
+            <ac:cxnSpMk id="15" creationId="{0E085414-F748-496A-A49E-0EA42FFD15C7}"/>
+          </ac:cxnSpMkLst>
+        </pc:cxnChg>
+        <pc:cxnChg chg="mod">
+          <ac:chgData name="Aleksei Rostov" userId="71d804e0f57b7422" providerId="LiveId" clId="{6EDFC53C-354F-4CE7-AE3F-4103E11DE4F1}" dt="2020-11-26T07:02:32.246" v="260"/>
+          <ac:cxnSpMkLst>
+            <pc:docMk/>
+            <pc:sldMk cId="552805938" sldId="257"/>
+            <ac:cxnSpMk id="16" creationId="{712875F8-1FF3-4793-B499-440863932157}"/>
+          </ac:cxnSpMkLst>
+        </pc:cxnChg>
+        <pc:cxnChg chg="mod">
+          <ac:chgData name="Aleksei Rostov" userId="71d804e0f57b7422" providerId="LiveId" clId="{6EDFC53C-354F-4CE7-AE3F-4103E11DE4F1}" dt="2020-11-26T07:02:32.246" v="260"/>
+          <ac:cxnSpMkLst>
+            <pc:docMk/>
+            <pc:sldMk cId="552805938" sldId="257"/>
+            <ac:cxnSpMk id="17" creationId="{51C6620F-C53D-4ABF-A6FD-C5EB7847D3A9}"/>
+          </ac:cxnSpMkLst>
+        </pc:cxnChg>
+        <pc:cxnChg chg="mod">
+          <ac:chgData name="Aleksei Rostov" userId="71d804e0f57b7422" providerId="LiveId" clId="{6EDFC53C-354F-4CE7-AE3F-4103E11DE4F1}" dt="2020-11-26T07:02:32.246" v="260"/>
+          <ac:cxnSpMkLst>
+            <pc:docMk/>
+            <pc:sldMk cId="552805938" sldId="257"/>
+            <ac:cxnSpMk id="18" creationId="{CCD669AA-1A59-4CFD-8DEB-6F7E290B77D0}"/>
+          </ac:cxnSpMkLst>
+        </pc:cxnChg>
+        <pc:cxnChg chg="mod">
+          <ac:chgData name="Aleksei Rostov" userId="71d804e0f57b7422" providerId="LiveId" clId="{6EDFC53C-354F-4CE7-AE3F-4103E11DE4F1}" dt="2020-11-26T07:02:32.246" v="260"/>
+          <ac:cxnSpMkLst>
+            <pc:docMk/>
+            <pc:sldMk cId="552805938" sldId="257"/>
+            <ac:cxnSpMk id="19" creationId="{FAA607D5-0955-4484-9794-690C23F4A7EF}"/>
+          </ac:cxnSpMkLst>
+        </pc:cxnChg>
+        <pc:cxnChg chg="mod">
+          <ac:chgData name="Aleksei Rostov" userId="71d804e0f57b7422" providerId="LiveId" clId="{6EDFC53C-354F-4CE7-AE3F-4103E11DE4F1}" dt="2020-11-26T07:02:32.246" v="260"/>
+          <ac:cxnSpMkLst>
+            <pc:docMk/>
+            <pc:sldMk cId="552805938" sldId="257"/>
+            <ac:cxnSpMk id="20" creationId="{D3B3077B-708D-4DC1-B279-7508FA86DB92}"/>
+          </ac:cxnSpMkLst>
+        </pc:cxnChg>
+        <pc:cxnChg chg="mod">
+          <ac:chgData name="Aleksei Rostov" userId="71d804e0f57b7422" providerId="LiveId" clId="{6EDFC53C-354F-4CE7-AE3F-4103E11DE4F1}" dt="2020-11-26T07:02:32.246" v="260"/>
+          <ac:cxnSpMkLst>
+            <pc:docMk/>
+            <pc:sldMk cId="552805938" sldId="257"/>
+            <ac:cxnSpMk id="21" creationId="{0A693D81-D220-4CC5-8E37-39C50B9EB1F2}"/>
+          </ac:cxnSpMkLst>
+        </pc:cxnChg>
+        <pc:cxnChg chg="mod">
+          <ac:chgData name="Aleksei Rostov" userId="71d804e0f57b7422" providerId="LiveId" clId="{6EDFC53C-354F-4CE7-AE3F-4103E11DE4F1}" dt="2020-11-26T07:02:32.246" v="260"/>
+          <ac:cxnSpMkLst>
+            <pc:docMk/>
+            <pc:sldMk cId="552805938" sldId="257"/>
+            <ac:cxnSpMk id="22" creationId="{6086B87F-1C7D-4216-9176-0A11FCC08B83}"/>
+          </ac:cxnSpMkLst>
+        </pc:cxnChg>
+        <pc:cxnChg chg="mod">
+          <ac:chgData name="Aleksei Rostov" userId="71d804e0f57b7422" providerId="LiveId" clId="{6EDFC53C-354F-4CE7-AE3F-4103E11DE4F1}" dt="2020-11-26T07:02:32.246" v="260"/>
+          <ac:cxnSpMkLst>
+            <pc:docMk/>
+            <pc:sldMk cId="552805938" sldId="257"/>
+            <ac:cxnSpMk id="23" creationId="{EB26D514-751D-4E57-BA2C-DA91D0978B3F}"/>
+          </ac:cxnSpMkLst>
+        </pc:cxnChg>
+        <pc:cxnChg chg="mod">
+          <ac:chgData name="Aleksei Rostov" userId="71d804e0f57b7422" providerId="LiveId" clId="{6EDFC53C-354F-4CE7-AE3F-4103E11DE4F1}" dt="2020-11-26T07:02:32.246" v="260"/>
+          <ac:cxnSpMkLst>
+            <pc:docMk/>
+            <pc:sldMk cId="552805938" sldId="257"/>
+            <ac:cxnSpMk id="24" creationId="{4FAE3897-72F2-464D-861A-516D9BC4DFFB}"/>
+          </ac:cxnSpMkLst>
+        </pc:cxnChg>
+        <pc:cxnChg chg="mod">
+          <ac:chgData name="Aleksei Rostov" userId="71d804e0f57b7422" providerId="LiveId" clId="{6EDFC53C-354F-4CE7-AE3F-4103E11DE4F1}" dt="2020-11-26T07:02:32.246" v="260"/>
+          <ac:cxnSpMkLst>
+            <pc:docMk/>
+            <pc:sldMk cId="552805938" sldId="257"/>
+            <ac:cxnSpMk id="27" creationId="{F133EE0F-C32B-47E7-9D2F-9E0F2B382152}"/>
+          </ac:cxnSpMkLst>
+        </pc:cxnChg>
+        <pc:cxnChg chg="mod">
+          <ac:chgData name="Aleksei Rostov" userId="71d804e0f57b7422" providerId="LiveId" clId="{6EDFC53C-354F-4CE7-AE3F-4103E11DE4F1}" dt="2020-11-26T07:02:32.246" v="260"/>
+          <ac:cxnSpMkLst>
+            <pc:docMk/>
+            <pc:sldMk cId="552805938" sldId="257"/>
+            <ac:cxnSpMk id="28" creationId="{A32D48BA-239C-486E-85E0-FDBA64E5FDC0}"/>
+          </ac:cxnSpMkLst>
+        </pc:cxnChg>
       </pc:sldChg>
       <pc:sldChg chg="addSp delSp modSp del mod">
         <pc:chgData name="Aleksei Rostov" userId="71d804e0f57b7422" providerId="LiveId" clId="{6EDFC53C-354F-4CE7-AE3F-4103E11DE4F1}" dt="2020-11-25T15:00:23.496" v="256" actId="47"/>
@@ -219,8 +538,8 @@
           </ac:picMkLst>
         </pc:picChg>
       </pc:sldChg>
-      <pc:sldChg chg="addSp delSp modSp mod">
-        <pc:chgData name="Aleksei Rostov" userId="71d804e0f57b7422" providerId="LiveId" clId="{6EDFC53C-354F-4CE7-AE3F-4103E11DE4F1}" dt="2020-11-25T14:44:10.886" v="255" actId="1076"/>
+      <pc:sldChg chg="addSp delSp modSp del mod">
+        <pc:chgData name="Aleksei Rostov" userId="71d804e0f57b7422" providerId="LiveId" clId="{6EDFC53C-354F-4CE7-AE3F-4103E11DE4F1}" dt="2020-11-26T07:04:48.526" v="277" actId="47"/>
         <pc:sldMkLst>
           <pc:docMk/>
           <pc:sldMk cId="661678672" sldId="262"/>
@@ -234,7 +553,7 @@
           </ac:spMkLst>
         </pc:spChg>
         <pc:spChg chg="mod topLvl">
-          <ac:chgData name="Aleksei Rostov" userId="71d804e0f57b7422" providerId="LiveId" clId="{6EDFC53C-354F-4CE7-AE3F-4103E11DE4F1}" dt="2020-11-25T14:39:18.246" v="202" actId="1035"/>
+          <ac:chgData name="Aleksei Rostov" userId="71d804e0f57b7422" providerId="LiveId" clId="{6EDFC53C-354F-4CE7-AE3F-4103E11DE4F1}" dt="2020-11-26T07:02:58.004" v="264" actId="164"/>
           <ac:spMkLst>
             <pc:docMk/>
             <pc:sldMk cId="661678672" sldId="262"/>
@@ -242,7 +561,7 @@
           </ac:spMkLst>
         </pc:spChg>
         <pc:spChg chg="mod topLvl">
-          <ac:chgData name="Aleksei Rostov" userId="71d804e0f57b7422" providerId="LiveId" clId="{6EDFC53C-354F-4CE7-AE3F-4103E11DE4F1}" dt="2020-11-25T14:39:52.222" v="210" actId="1076"/>
+          <ac:chgData name="Aleksei Rostov" userId="71d804e0f57b7422" providerId="LiveId" clId="{6EDFC53C-354F-4CE7-AE3F-4103E11DE4F1}" dt="2020-11-26T07:02:58.004" v="264" actId="164"/>
           <ac:spMkLst>
             <pc:docMk/>
             <pc:sldMk cId="661678672" sldId="262"/>
@@ -250,7 +569,7 @@
           </ac:spMkLst>
         </pc:spChg>
         <pc:spChg chg="mod topLvl">
-          <ac:chgData name="Aleksei Rostov" userId="71d804e0f57b7422" providerId="LiveId" clId="{6EDFC53C-354F-4CE7-AE3F-4103E11DE4F1}" dt="2020-11-25T14:39:12.527" v="200" actId="1037"/>
+          <ac:chgData name="Aleksei Rostov" userId="71d804e0f57b7422" providerId="LiveId" clId="{6EDFC53C-354F-4CE7-AE3F-4103E11DE4F1}" dt="2020-11-26T07:02:58.004" v="264" actId="164"/>
           <ac:spMkLst>
             <pc:docMk/>
             <pc:sldMk cId="661678672" sldId="262"/>
@@ -258,7 +577,7 @@
           </ac:spMkLst>
         </pc:spChg>
         <pc:spChg chg="mod topLvl">
-          <ac:chgData name="Aleksei Rostov" userId="71d804e0f57b7422" providerId="LiveId" clId="{6EDFC53C-354F-4CE7-AE3F-4103E11DE4F1}" dt="2020-11-25T14:38:09.151" v="168" actId="1076"/>
+          <ac:chgData name="Aleksei Rostov" userId="71d804e0f57b7422" providerId="LiveId" clId="{6EDFC53C-354F-4CE7-AE3F-4103E11DE4F1}" dt="2020-11-26T07:02:58.004" v="264" actId="164"/>
           <ac:spMkLst>
             <pc:docMk/>
             <pc:sldMk cId="661678672" sldId="262"/>
@@ -274,7 +593,7 @@
           </ac:spMkLst>
         </pc:spChg>
         <pc:spChg chg="mod topLvl">
-          <ac:chgData name="Aleksei Rostov" userId="71d804e0f57b7422" providerId="LiveId" clId="{6EDFC53C-354F-4CE7-AE3F-4103E11DE4F1}" dt="2020-11-25T14:39:19.890" v="204" actId="1035"/>
+          <ac:chgData name="Aleksei Rostov" userId="71d804e0f57b7422" providerId="LiveId" clId="{6EDFC53C-354F-4CE7-AE3F-4103E11DE4F1}" dt="2020-11-26T07:02:58.004" v="264" actId="164"/>
           <ac:spMkLst>
             <pc:docMk/>
             <pc:sldMk cId="661678672" sldId="262"/>
@@ -290,7 +609,7 @@
           </ac:spMkLst>
         </pc:spChg>
         <pc:spChg chg="mod topLvl">
-          <ac:chgData name="Aleksei Rostov" userId="71d804e0f57b7422" providerId="LiveId" clId="{6EDFC53C-354F-4CE7-AE3F-4103E11DE4F1}" dt="2020-11-25T14:38:09.151" v="168" actId="1076"/>
+          <ac:chgData name="Aleksei Rostov" userId="71d804e0f57b7422" providerId="LiveId" clId="{6EDFC53C-354F-4CE7-AE3F-4103E11DE4F1}" dt="2020-11-26T07:02:58.004" v="264" actId="164"/>
           <ac:spMkLst>
             <pc:docMk/>
             <pc:sldMk cId="661678672" sldId="262"/>
@@ -298,7 +617,7 @@
           </ac:spMkLst>
         </pc:spChg>
         <pc:spChg chg="mod">
-          <ac:chgData name="Aleksei Rostov" userId="71d804e0f57b7422" providerId="LiveId" clId="{6EDFC53C-354F-4CE7-AE3F-4103E11DE4F1}" dt="2020-11-25T14:44:10.886" v="255" actId="1076"/>
+          <ac:chgData name="Aleksei Rostov" userId="71d804e0f57b7422" providerId="LiveId" clId="{6EDFC53C-354F-4CE7-AE3F-4103E11DE4F1}" dt="2020-11-26T07:02:58.004" v="264" actId="164"/>
           <ac:spMkLst>
             <pc:docMk/>
             <pc:sldMk cId="661678672" sldId="262"/>
@@ -314,7 +633,7 @@
           </ac:spMkLst>
         </pc:spChg>
         <pc:spChg chg="add mod">
-          <ac:chgData name="Aleksei Rostov" userId="71d804e0f57b7422" providerId="LiveId" clId="{6EDFC53C-354F-4CE7-AE3F-4103E11DE4F1}" dt="2020-11-25T14:39:47.534" v="209" actId="1076"/>
+          <ac:chgData name="Aleksei Rostov" userId="71d804e0f57b7422" providerId="LiveId" clId="{6EDFC53C-354F-4CE7-AE3F-4103E11DE4F1}" dt="2020-11-26T07:02:58.004" v="264" actId="164"/>
           <ac:spMkLst>
             <pc:docMk/>
             <pc:sldMk cId="661678672" sldId="262"/>
@@ -322,7 +641,7 @@
           </ac:spMkLst>
         </pc:spChg>
         <pc:spChg chg="add mod">
-          <ac:chgData name="Aleksei Rostov" userId="71d804e0f57b7422" providerId="LiveId" clId="{6EDFC53C-354F-4CE7-AE3F-4103E11DE4F1}" dt="2020-11-25T14:39:47.534" v="209" actId="1076"/>
+          <ac:chgData name="Aleksei Rostov" userId="71d804e0f57b7422" providerId="LiveId" clId="{6EDFC53C-354F-4CE7-AE3F-4103E11DE4F1}" dt="2020-11-26T07:02:58.004" v="264" actId="164"/>
           <ac:spMkLst>
             <pc:docMk/>
             <pc:sldMk cId="661678672" sldId="262"/>
@@ -330,7 +649,7 @@
           </ac:spMkLst>
         </pc:spChg>
         <pc:spChg chg="add mod">
-          <ac:chgData name="Aleksei Rostov" userId="71d804e0f57b7422" providerId="LiveId" clId="{6EDFC53C-354F-4CE7-AE3F-4103E11DE4F1}" dt="2020-11-25T14:39:47.534" v="209" actId="1076"/>
+          <ac:chgData name="Aleksei Rostov" userId="71d804e0f57b7422" providerId="LiveId" clId="{6EDFC53C-354F-4CE7-AE3F-4103E11DE4F1}" dt="2020-11-26T07:02:58.004" v="264" actId="164"/>
           <ac:spMkLst>
             <pc:docMk/>
             <pc:sldMk cId="661678672" sldId="262"/>
@@ -338,7 +657,7 @@
           </ac:spMkLst>
         </pc:spChg>
         <pc:spChg chg="add mod">
-          <ac:chgData name="Aleksei Rostov" userId="71d804e0f57b7422" providerId="LiveId" clId="{6EDFC53C-354F-4CE7-AE3F-4103E11DE4F1}" dt="2020-11-25T14:39:06.406" v="197" actId="1037"/>
+          <ac:chgData name="Aleksei Rostov" userId="71d804e0f57b7422" providerId="LiveId" clId="{6EDFC53C-354F-4CE7-AE3F-4103E11DE4F1}" dt="2020-11-26T07:02:58.004" v="264" actId="164"/>
           <ac:spMkLst>
             <pc:docMk/>
             <pc:sldMk cId="661678672" sldId="262"/>
@@ -346,13 +665,21 @@
           </ac:spMkLst>
         </pc:spChg>
         <pc:spChg chg="add mod">
-          <ac:chgData name="Aleksei Rostov" userId="71d804e0f57b7422" providerId="LiveId" clId="{6EDFC53C-354F-4CE7-AE3F-4103E11DE4F1}" dt="2020-11-25T14:39:59.960" v="212" actId="1076"/>
+          <ac:chgData name="Aleksei Rostov" userId="71d804e0f57b7422" providerId="LiveId" clId="{6EDFC53C-354F-4CE7-AE3F-4103E11DE4F1}" dt="2020-11-26T07:02:58.004" v="264" actId="164"/>
           <ac:spMkLst>
             <pc:docMk/>
             <pc:sldMk cId="661678672" sldId="262"/>
             <ac:spMk id="100" creationId="{2C09515D-83D7-49E0-886C-7F36DF8BC8A2}"/>
           </ac:spMkLst>
         </pc:spChg>
+        <pc:grpChg chg="add mod">
+          <ac:chgData name="Aleksei Rostov" userId="71d804e0f57b7422" providerId="LiveId" clId="{6EDFC53C-354F-4CE7-AE3F-4103E11DE4F1}" dt="2020-11-26T07:02:58.004" v="264" actId="164"/>
+          <ac:grpSpMkLst>
+            <pc:docMk/>
+            <pc:sldMk cId="661678672" sldId="262"/>
+            <ac:grpSpMk id="2" creationId="{5E5F86DC-C47B-46BC-843A-BF54AB9F3A74}"/>
+          </ac:grpSpMkLst>
+        </pc:grpChg>
         <pc:grpChg chg="del">
           <ac:chgData name="Aleksei Rostov" userId="71d804e0f57b7422" providerId="LiveId" clId="{6EDFC53C-354F-4CE7-AE3F-4103E11DE4F1}" dt="2020-11-25T14:33:06.994" v="88" actId="478"/>
           <ac:grpSpMkLst>
@@ -7462,7 +7789,7 @@
           <a:p>
             <a:fld id="{B9E40912-773D-4C01-815F-02B5A41D867C}" type="datetimeFigureOut">
               <a:rPr lang="x-none" smtClean="0"/>
-              <a:t>25.11.2020</a:t>
+              <a:t>26.11.2020</a:t>
             </a:fld>
             <a:endParaRPr lang="x-none"/>
           </a:p>
@@ -7729,7 +8056,7 @@
           <a:p>
             <a:fld id="{B9E40912-773D-4C01-815F-02B5A41D867C}" type="datetimeFigureOut">
               <a:rPr lang="x-none" smtClean="0"/>
-              <a:t>25.11.2020</a:t>
+              <a:t>26.11.2020</a:t>
             </a:fld>
             <a:endParaRPr lang="x-none"/>
           </a:p>
@@ -7925,7 +8252,7 @@
           <a:p>
             <a:fld id="{B9E40912-773D-4C01-815F-02B5A41D867C}" type="datetimeFigureOut">
               <a:rPr lang="x-none" smtClean="0"/>
-              <a:t>25.11.2020</a:t>
+              <a:t>26.11.2020</a:t>
             </a:fld>
             <a:endParaRPr lang="x-none"/>
           </a:p>
@@ -8188,7 +8515,7 @@
           <a:p>
             <a:fld id="{B9E40912-773D-4C01-815F-02B5A41D867C}" type="datetimeFigureOut">
               <a:rPr lang="x-none" smtClean="0"/>
-              <a:t>25.11.2020</a:t>
+              <a:t>26.11.2020</a:t>
             </a:fld>
             <a:endParaRPr lang="x-none"/>
           </a:p>
@@ -8622,7 +8949,7 @@
           <a:p>
             <a:fld id="{B9E40912-773D-4C01-815F-02B5A41D867C}" type="datetimeFigureOut">
               <a:rPr lang="x-none" smtClean="0"/>
-              <a:t>25.11.2020</a:t>
+              <a:t>26.11.2020</a:t>
             </a:fld>
             <a:endParaRPr lang="x-none"/>
           </a:p>
@@ -9168,7 +9495,7 @@
           <a:p>
             <a:fld id="{B9E40912-773D-4C01-815F-02B5A41D867C}" type="datetimeFigureOut">
               <a:rPr lang="x-none" smtClean="0"/>
-              <a:t>25.11.2020</a:t>
+              <a:t>26.11.2020</a:t>
             </a:fld>
             <a:endParaRPr lang="x-none"/>
           </a:p>
@@ -9888,7 +10215,7 @@
           <a:p>
             <a:fld id="{B9E40912-773D-4C01-815F-02B5A41D867C}" type="datetimeFigureOut">
               <a:rPr lang="x-none" smtClean="0"/>
-              <a:t>25.11.2020</a:t>
+              <a:t>26.11.2020</a:t>
             </a:fld>
             <a:endParaRPr lang="x-none"/>
           </a:p>
@@ -10058,7 +10385,7 @@
           <a:p>
             <a:fld id="{B9E40912-773D-4C01-815F-02B5A41D867C}" type="datetimeFigureOut">
               <a:rPr lang="x-none" smtClean="0"/>
-              <a:t>25.11.2020</a:t>
+              <a:t>26.11.2020</a:t>
             </a:fld>
             <a:endParaRPr lang="x-none"/>
           </a:p>
@@ -10238,7 +10565,7 @@
           <a:p>
             <a:fld id="{B9E40912-773D-4C01-815F-02B5A41D867C}" type="datetimeFigureOut">
               <a:rPr lang="x-none" smtClean="0"/>
-              <a:t>25.11.2020</a:t>
+              <a:t>26.11.2020</a:t>
             </a:fld>
             <a:endParaRPr lang="x-none"/>
           </a:p>
@@ -10408,7 +10735,7 @@
           <a:p>
             <a:fld id="{B9E40912-773D-4C01-815F-02B5A41D867C}" type="datetimeFigureOut">
               <a:rPr lang="x-none" smtClean="0"/>
-              <a:t>25.11.2020</a:t>
+              <a:t>26.11.2020</a:t>
             </a:fld>
             <a:endParaRPr lang="x-none"/>
           </a:p>
@@ -10658,7 +10985,7 @@
           <a:p>
             <a:fld id="{B9E40912-773D-4C01-815F-02B5A41D867C}" type="datetimeFigureOut">
               <a:rPr lang="x-none" smtClean="0"/>
-              <a:t>25.11.2020</a:t>
+              <a:t>26.11.2020</a:t>
             </a:fld>
             <a:endParaRPr lang="x-none"/>
           </a:p>
@@ -10890,7 +11217,7 @@
           <a:p>
             <a:fld id="{B9E40912-773D-4C01-815F-02B5A41D867C}" type="datetimeFigureOut">
               <a:rPr lang="x-none" smtClean="0"/>
-              <a:t>25.11.2020</a:t>
+              <a:t>26.11.2020</a:t>
             </a:fld>
             <a:endParaRPr lang="x-none"/>
           </a:p>
@@ -11271,7 +11598,7 @@
           <a:p>
             <a:fld id="{B9E40912-773D-4C01-815F-02B5A41D867C}" type="datetimeFigureOut">
               <a:rPr lang="x-none" smtClean="0"/>
-              <a:t>25.11.2020</a:t>
+              <a:t>26.11.2020</a:t>
             </a:fld>
             <a:endParaRPr lang="x-none"/>
           </a:p>
@@ -11389,7 +11716,7 @@
           <a:p>
             <a:fld id="{B9E40912-773D-4C01-815F-02B5A41D867C}" type="datetimeFigureOut">
               <a:rPr lang="x-none" smtClean="0"/>
-              <a:t>25.11.2020</a:t>
+              <a:t>26.11.2020</a:t>
             </a:fld>
             <a:endParaRPr lang="x-none"/>
           </a:p>
@@ -11484,7 +11811,7 @@
           <a:p>
             <a:fld id="{B9E40912-773D-4C01-815F-02B5A41D867C}" type="datetimeFigureOut">
               <a:rPr lang="x-none" smtClean="0"/>
-              <a:t>25.11.2020</a:t>
+              <a:t>26.11.2020</a:t>
             </a:fld>
             <a:endParaRPr lang="x-none"/>
           </a:p>
@@ -11733,7 +12060,7 @@
           <a:p>
             <a:fld id="{B9E40912-773D-4C01-815F-02B5A41D867C}" type="datetimeFigureOut">
               <a:rPr lang="x-none" smtClean="0"/>
-              <a:t>25.11.2020</a:t>
+              <a:t>26.11.2020</a:t>
             </a:fld>
             <a:endParaRPr lang="x-none"/>
           </a:p>
@@ -12013,7 +12340,7 @@
           <a:p>
             <a:fld id="{B9E40912-773D-4C01-815F-02B5A41D867C}" type="datetimeFigureOut">
               <a:rPr lang="x-none" smtClean="0"/>
-              <a:t>25.11.2020</a:t>
+              <a:t>26.11.2020</a:t>
             </a:fld>
             <a:endParaRPr lang="x-none"/>
           </a:p>
@@ -15090,7 +15417,7 @@
           <a:p>
             <a:fld id="{B9E40912-773D-4C01-815F-02B5A41D867C}" type="datetimeFigureOut">
               <a:rPr lang="x-none" smtClean="0"/>
-              <a:t>25.11.2020</a:t>
+              <a:t>26.11.2020</a:t>
             </a:fld>
             <a:endParaRPr lang="x-none"/>
           </a:p>
@@ -15528,7 +15855,7 @@
         </p:nvSpPr>
         <p:spPr>
           <a:xfrm>
-            <a:off x="3398987" y="2427255"/>
+            <a:off x="2550695" y="2411837"/>
             <a:ext cx="7090610" cy="1095626"/>
           </a:xfrm>
         </p:spPr>
@@ -15732,7 +16059,7 @@
             <a:pPr algn="ctr"/>
             <a:r>
               <a:rPr lang="en-US" sz="2000" dirty="0"/>
-              <a:t>DESIGN FLOW</a:t>
+              <a:t>DESIGN FLOW and hardware design</a:t>
             </a:r>
             <a:endParaRPr lang="ru-RU" sz="2000" dirty="0"/>
           </a:p>
@@ -15775,7 +16102,7 @@
         </p:nvSpPr>
         <p:spPr>
           <a:xfrm>
-            <a:off x="736749" y="6084054"/>
+            <a:off x="791278" y="3769229"/>
             <a:ext cx="4491789" cy="369332"/>
           </a:xfrm>
           <a:prstGeom prst="rect">
@@ -15842,8 +16169,8 @@
         </p:blipFill>
         <p:spPr>
           <a:xfrm>
-            <a:off x="1238545" y="3261490"/>
-            <a:ext cx="3488199" cy="2707410"/>
+            <a:off x="2067623" y="2185954"/>
+            <a:ext cx="1960846" cy="1521936"/>
           </a:xfrm>
           <a:prstGeom prst="rect">
             <a:avLst/>
@@ -15853,400 +16180,35 @@
           </a:solidFill>
         </p:spPr>
       </p:pic>
-    </p:spTree>
-    <p:extLst>
-      <p:ext uri="{BB962C8B-B14F-4D97-AF65-F5344CB8AC3E}">
-        <p14:creationId xmlns:p14="http://schemas.microsoft.com/office/powerpoint/2010/main" val="552805938"/>
-      </p:ext>
-    </p:extLst>
-  </p:cSld>
-  <p:clrMapOvr>
-    <a:masterClrMapping/>
-  </p:clrMapOvr>
-</p:sld>
-</file>
-
-<file path=ppt/slides/slide3.xml><?xml version="1.0" encoding="utf-8"?>
-<p:sld xmlns:a="http://schemas.openxmlformats.org/drawingml/2006/main" xmlns:r="http://schemas.openxmlformats.org/officeDocument/2006/relationships" xmlns:p="http://schemas.openxmlformats.org/presentationml/2006/main">
-  <p:cSld>
-    <p:spTree>
-      <p:nvGrpSpPr>
-        <p:cNvPr id="1" name=""/>
-        <p:cNvGrpSpPr/>
-        <p:nvPr/>
-      </p:nvGrpSpPr>
-      <p:grpSpPr>
-        <a:xfrm>
-          <a:off x="0" y="0"/>
-          <a:ext cx="0" cy="0"/>
-          <a:chOff x="0" y="0"/>
-          <a:chExt cx="0" cy="0"/>
-        </a:xfrm>
-      </p:grpSpPr>
-      <p:sp>
-        <p:nvSpPr>
-          <p:cNvPr id="32" name="Прямоугольник 31"/>
-          <p:cNvSpPr/>
-          <p:nvPr/>
-        </p:nvSpPr>
-        <p:spPr>
-          <a:xfrm>
-            <a:off x="9155207" y="6487294"/>
-            <a:ext cx="3036793" cy="369332"/>
-          </a:xfrm>
-          <a:prstGeom prst="rect">
-            <a:avLst/>
-          </a:prstGeom>
-        </p:spPr>
-        <p:txBody>
-          <a:bodyPr wrap="none">
-            <a:spAutoFit/>
-          </a:bodyPr>
-          <a:lstStyle/>
-          <a:p>
-            <a:r>
-              <a:rPr lang="en-US" dirty="0"/>
-              <a:t>aleksei.rostov@protonmail.com</a:t>
-            </a:r>
-            <a:endParaRPr lang="ru-RU" dirty="0"/>
-          </a:p>
-        </p:txBody>
-      </p:sp>
-      <p:sp>
-        <p:nvSpPr>
-          <p:cNvPr id="34" name="Прямоугольник 33"/>
-          <p:cNvSpPr/>
-          <p:nvPr/>
-        </p:nvSpPr>
-        <p:spPr>
-          <a:xfrm>
-            <a:off x="892000" y="747510"/>
-            <a:ext cx="1250727" cy="711262"/>
-          </a:xfrm>
-          <a:prstGeom prst="rect">
-            <a:avLst/>
-          </a:prstGeom>
-        </p:spPr>
-        <p:style>
-          <a:lnRef idx="2">
-            <a:schemeClr val="accent2">
-              <a:shade val="50000"/>
-            </a:schemeClr>
-          </a:lnRef>
-          <a:fillRef idx="1">
-            <a:schemeClr val="accent2"/>
-          </a:fillRef>
-          <a:effectRef idx="0">
-            <a:schemeClr val="accent2"/>
-          </a:effectRef>
-          <a:fontRef idx="minor">
-            <a:schemeClr val="lt1"/>
-          </a:fontRef>
-        </p:style>
-        <p:txBody>
-          <a:bodyPr rtlCol="0" anchor="ctr"/>
-          <a:lstStyle/>
-          <a:p>
-            <a:pPr algn="ctr"/>
-            <a:r>
-              <a:rPr lang="en-US" dirty="0"/>
-              <a:t>Virtual IO</a:t>
-            </a:r>
-            <a:endParaRPr lang="ru-RU" dirty="0"/>
-          </a:p>
-        </p:txBody>
-      </p:sp>
-      <p:sp>
-        <p:nvSpPr>
-          <p:cNvPr id="35" name="Прямоугольник 34"/>
-          <p:cNvSpPr/>
-          <p:nvPr/>
-        </p:nvSpPr>
-        <p:spPr>
-          <a:xfrm>
-            <a:off x="5646084" y="1768774"/>
-            <a:ext cx="1250727" cy="711262"/>
-          </a:xfrm>
-          <a:prstGeom prst="rect">
-            <a:avLst/>
-          </a:prstGeom>
-        </p:spPr>
-        <p:style>
-          <a:lnRef idx="2">
-            <a:schemeClr val="accent2">
-              <a:shade val="50000"/>
-            </a:schemeClr>
-          </a:lnRef>
-          <a:fillRef idx="1">
-            <a:schemeClr val="accent2"/>
-          </a:fillRef>
-          <a:effectRef idx="0">
-            <a:schemeClr val="accent2"/>
-          </a:effectRef>
-          <a:fontRef idx="minor">
-            <a:schemeClr val="lt1"/>
-          </a:fontRef>
-        </p:style>
-        <p:txBody>
-          <a:bodyPr rtlCol="0" anchor="ctr"/>
-          <a:lstStyle/>
-          <a:p>
-            <a:pPr algn="ctr"/>
-            <a:r>
-              <a:rPr lang="en-US" dirty="0"/>
-              <a:t>System ILA</a:t>
-            </a:r>
-            <a:endParaRPr lang="ru-RU" dirty="0"/>
-          </a:p>
-        </p:txBody>
-      </p:sp>
-      <p:sp>
-        <p:nvSpPr>
-          <p:cNvPr id="36" name="Прямоугольник 35"/>
-          <p:cNvSpPr/>
-          <p:nvPr/>
-        </p:nvSpPr>
-        <p:spPr>
-          <a:xfrm>
-            <a:off x="892000" y="1792856"/>
-            <a:ext cx="1250727" cy="711262"/>
-          </a:xfrm>
-          <a:prstGeom prst="rect">
-            <a:avLst/>
-          </a:prstGeom>
-        </p:spPr>
-        <p:style>
-          <a:lnRef idx="2">
-            <a:schemeClr val="accent2">
-              <a:shade val="50000"/>
-            </a:schemeClr>
-          </a:lnRef>
-          <a:fillRef idx="1">
-            <a:schemeClr val="accent2"/>
-          </a:fillRef>
-          <a:effectRef idx="0">
-            <a:schemeClr val="accent2"/>
-          </a:effectRef>
-          <a:fontRef idx="minor">
-            <a:schemeClr val="lt1"/>
-          </a:fontRef>
-        </p:style>
-        <p:txBody>
-          <a:bodyPr rtlCol="0" anchor="ctr"/>
-          <a:lstStyle/>
-          <a:p>
-            <a:pPr algn="ctr"/>
-            <a:r>
-              <a:rPr lang="en-US" dirty="0"/>
-              <a:t>Controller DDS</a:t>
-            </a:r>
-            <a:endParaRPr lang="ru-RU" dirty="0"/>
-          </a:p>
-        </p:txBody>
-      </p:sp>
-      <p:sp>
-        <p:nvSpPr>
-          <p:cNvPr id="37" name="Прямоугольник 36"/>
-          <p:cNvSpPr/>
-          <p:nvPr/>
-        </p:nvSpPr>
-        <p:spPr>
-          <a:xfrm>
-            <a:off x="2478684" y="1789328"/>
-            <a:ext cx="1250727" cy="711262"/>
-          </a:xfrm>
-          <a:prstGeom prst="rect">
-            <a:avLst/>
-          </a:prstGeom>
-        </p:spPr>
-        <p:style>
-          <a:lnRef idx="2">
-            <a:schemeClr val="accent2">
-              <a:shade val="50000"/>
-            </a:schemeClr>
-          </a:lnRef>
-          <a:fillRef idx="1">
-            <a:schemeClr val="accent2"/>
-          </a:fillRef>
-          <a:effectRef idx="0">
-            <a:schemeClr val="accent2"/>
-          </a:effectRef>
-          <a:fontRef idx="minor">
-            <a:schemeClr val="lt1"/>
-          </a:fontRef>
-        </p:style>
-        <p:txBody>
-          <a:bodyPr rtlCol="0" anchor="ctr"/>
-          <a:lstStyle/>
-          <a:p>
-            <a:pPr algn="ctr"/>
-            <a:r>
-              <a:rPr lang="en-US" dirty="0"/>
-              <a:t>DDS compiler</a:t>
-            </a:r>
-            <a:endParaRPr lang="ru-RU" dirty="0"/>
-          </a:p>
-        </p:txBody>
-      </p:sp>
-      <p:sp>
-        <p:nvSpPr>
-          <p:cNvPr id="63" name="Стрелка вниз 62"/>
-          <p:cNvSpPr/>
-          <p:nvPr/>
-        </p:nvSpPr>
-        <p:spPr>
-          <a:xfrm>
-            <a:off x="1354802" y="1491900"/>
-            <a:ext cx="325121" cy="269847"/>
-          </a:xfrm>
-          <a:prstGeom prst="downArrow">
-            <a:avLst/>
-          </a:prstGeom>
-        </p:spPr>
-        <p:style>
-          <a:lnRef idx="2">
-            <a:schemeClr val="accent1">
-              <a:shade val="50000"/>
-            </a:schemeClr>
-          </a:lnRef>
-          <a:fillRef idx="1">
-            <a:schemeClr val="accent1"/>
-          </a:fillRef>
-          <a:effectRef idx="0">
-            <a:schemeClr val="accent1"/>
-          </a:effectRef>
-          <a:fontRef idx="minor">
-            <a:schemeClr val="lt1"/>
-          </a:fontRef>
-        </p:style>
-        <p:txBody>
-          <a:bodyPr rtlCol="0" anchor="ctr"/>
-          <a:lstStyle/>
-          <a:p>
-            <a:pPr algn="ctr"/>
-            <a:endParaRPr lang="ru-RU"/>
-          </a:p>
-        </p:txBody>
-      </p:sp>
-      <p:sp>
-        <p:nvSpPr>
-          <p:cNvPr id="65" name="Стрелка вниз 64"/>
-          <p:cNvSpPr/>
-          <p:nvPr/>
-        </p:nvSpPr>
-        <p:spPr>
-          <a:xfrm rot="16200000">
-            <a:off x="2160029" y="1966167"/>
-            <a:ext cx="325121" cy="290392"/>
-          </a:xfrm>
-          <a:prstGeom prst="downArrow">
-            <a:avLst/>
-          </a:prstGeom>
-        </p:spPr>
-        <p:style>
-          <a:lnRef idx="2">
-            <a:schemeClr val="accent1">
-              <a:shade val="50000"/>
-            </a:schemeClr>
-          </a:lnRef>
-          <a:fillRef idx="1">
-            <a:schemeClr val="accent1"/>
-          </a:fillRef>
-          <a:effectRef idx="0">
-            <a:schemeClr val="accent1"/>
-          </a:effectRef>
-          <a:fontRef idx="minor">
-            <a:schemeClr val="lt1"/>
-          </a:fontRef>
-        </p:style>
-        <p:txBody>
-          <a:bodyPr rtlCol="0" anchor="ctr"/>
-          <a:lstStyle/>
-          <a:p>
-            <a:pPr algn="ctr"/>
-            <a:endParaRPr lang="ru-RU"/>
-          </a:p>
-        </p:txBody>
-      </p:sp>
-      <p:sp>
-        <p:nvSpPr>
-          <p:cNvPr id="67" name="TextBox 66"/>
-          <p:cNvSpPr txBox="1"/>
-          <p:nvPr/>
-        </p:nvSpPr>
-        <p:spPr>
-          <a:xfrm>
-            <a:off x="1483516" y="3506759"/>
-            <a:ext cx="4491789" cy="369332"/>
-          </a:xfrm>
-          <a:prstGeom prst="rect">
-            <a:avLst/>
-          </a:prstGeom>
-          <a:noFill/>
-        </p:spPr>
-        <p:txBody>
-          <a:bodyPr wrap="square" rtlCol="0">
-            <a:spAutoFit/>
-          </a:bodyPr>
-          <a:lstStyle/>
-          <a:p>
-            <a:pPr algn="ctr"/>
-            <a:r>
-              <a:rPr lang="en-US" dirty="0"/>
-              <a:t>Hardware design for FPGA</a:t>
-            </a:r>
-            <a:endParaRPr lang="ru-RU" dirty="0"/>
-          </a:p>
-        </p:txBody>
-      </p:sp>
-      <p:sp>
-        <p:nvSpPr>
-          <p:cNvPr id="68" name="Заголовок 1"/>
-          <p:cNvSpPr>
-            <a:spLocks noGrp="1"/>
-          </p:cNvSpPr>
-          <p:nvPr>
-            <p:ph type="title"/>
-          </p:nvPr>
-        </p:nvSpPr>
-        <p:spPr>
-          <a:xfrm>
-            <a:off x="2117557" y="0"/>
-            <a:ext cx="6898105" cy="749643"/>
-          </a:xfrm>
-        </p:spPr>
-        <p:txBody>
-          <a:bodyPr>
-            <a:normAutofit/>
-          </a:bodyPr>
-          <a:lstStyle/>
-          <a:p>
-            <a:pPr algn="ctr"/>
-            <a:r>
-              <a:rPr lang="en-US" sz="2000" dirty="0"/>
-              <a:t>PROJECT MODULES and hardware design</a:t>
-            </a:r>
-            <a:endParaRPr lang="ru-RU" sz="2000" dirty="0"/>
-          </a:p>
-        </p:txBody>
-      </p:sp>
       <p:grpSp>
         <p:nvGrpSpPr>
-          <p:cNvPr id="97" name="Группа 96"/>
+          <p:cNvPr id="7" name="Группа 6">
+            <a:extLst>
+              <a:ext uri="{FF2B5EF4-FFF2-40B4-BE49-F238E27FC236}">
+                <a16:creationId xmlns:a16="http://schemas.microsoft.com/office/drawing/2014/main" id="{FAF99FBF-5F1B-4F55-9C9E-7CFE48319AA2}"/>
+              </a:ext>
+            </a:extLst>
+          </p:cNvPr>
           <p:cNvGrpSpPr/>
           <p:nvPr/>
         </p:nvGrpSpPr>
         <p:grpSpPr>
           <a:xfrm>
-            <a:off x="5365785" y="4231955"/>
-            <a:ext cx="5378381" cy="2624671"/>
+            <a:off x="855459" y="4262209"/>
+            <a:ext cx="5502613" cy="2643612"/>
             <a:chOff x="873761" y="4087899"/>
             <a:chExt cx="5378381" cy="2624671"/>
           </a:xfrm>
         </p:grpSpPr>
         <p:sp>
           <p:nvSpPr>
-            <p:cNvPr id="70" name="Прямоугольник 69"/>
+            <p:cNvPr id="8" name="Прямоугольник 7">
+              <a:extLst>
+                <a:ext uri="{FF2B5EF4-FFF2-40B4-BE49-F238E27FC236}">
+                  <a16:creationId xmlns:a16="http://schemas.microsoft.com/office/drawing/2014/main" id="{4AB9ED6B-B2E5-450A-A292-39929D6529AE}"/>
+                </a:ext>
+              </a:extLst>
+            </p:cNvPr>
             <p:cNvSpPr/>
             <p:nvPr/>
           </p:nvSpPr>
@@ -16286,7 +16248,13 @@
         </p:sp>
         <p:sp>
           <p:nvSpPr>
-            <p:cNvPr id="71" name="TextBox 70"/>
+            <p:cNvPr id="12" name="TextBox 11">
+              <a:extLst>
+                <a:ext uri="{FF2B5EF4-FFF2-40B4-BE49-F238E27FC236}">
+                  <a16:creationId xmlns:a16="http://schemas.microsoft.com/office/drawing/2014/main" id="{BD1044D4-F7AD-4C2C-9E51-47148A76571E}"/>
+                </a:ext>
+              </a:extLst>
+            </p:cNvPr>
             <p:cNvSpPr txBox="1"/>
             <p:nvPr/>
           </p:nvSpPr>
@@ -16316,7 +16284,13 @@
         </p:sp>
         <p:sp>
           <p:nvSpPr>
-            <p:cNvPr id="72" name="Прямоугольник 71"/>
+            <p:cNvPr id="13" name="Прямоугольник 12">
+              <a:extLst>
+                <a:ext uri="{FF2B5EF4-FFF2-40B4-BE49-F238E27FC236}">
+                  <a16:creationId xmlns:a16="http://schemas.microsoft.com/office/drawing/2014/main" id="{306C838A-6241-4360-B78F-E3E2B623B69A}"/>
+                </a:ext>
+              </a:extLst>
+            </p:cNvPr>
             <p:cNvSpPr/>
             <p:nvPr/>
           </p:nvSpPr>
@@ -16360,7 +16334,13 @@
         </p:sp>
         <p:sp>
           <p:nvSpPr>
-            <p:cNvPr id="73" name="Прямоугольник 72"/>
+            <p:cNvPr id="14" name="Прямоугольник 13">
+              <a:extLst>
+                <a:ext uri="{FF2B5EF4-FFF2-40B4-BE49-F238E27FC236}">
+                  <a16:creationId xmlns:a16="http://schemas.microsoft.com/office/drawing/2014/main" id="{262694D2-CF39-4601-9E6B-E1E327B2DA1B}"/>
+                </a:ext>
+              </a:extLst>
+            </p:cNvPr>
             <p:cNvSpPr/>
             <p:nvPr/>
           </p:nvSpPr>
@@ -16404,7 +16384,13 @@
         </p:sp>
         <p:cxnSp>
           <p:nvCxnSpPr>
-            <p:cNvPr id="74" name="Прямая соединительная линия 73"/>
+            <p:cNvPr id="15" name="Прямая соединительная линия 14">
+              <a:extLst>
+                <a:ext uri="{FF2B5EF4-FFF2-40B4-BE49-F238E27FC236}">
+                  <a16:creationId xmlns:a16="http://schemas.microsoft.com/office/drawing/2014/main" id="{0E085414-F748-496A-A49E-0EA42FFD15C7}"/>
+                </a:ext>
+              </a:extLst>
+            </p:cNvPr>
             <p:cNvCxnSpPr/>
             <p:nvPr/>
           </p:nvCxnSpPr>
@@ -16439,7 +16425,13 @@
         </p:cxnSp>
         <p:cxnSp>
           <p:nvCxnSpPr>
-            <p:cNvPr id="76" name="Прямая соединительная линия 75"/>
+            <p:cNvPr id="16" name="Прямая соединительная линия 15">
+              <a:extLst>
+                <a:ext uri="{FF2B5EF4-FFF2-40B4-BE49-F238E27FC236}">
+                  <a16:creationId xmlns:a16="http://schemas.microsoft.com/office/drawing/2014/main" id="{712875F8-1FF3-4793-B499-440863932157}"/>
+                </a:ext>
+              </a:extLst>
+            </p:cNvPr>
             <p:cNvCxnSpPr/>
             <p:nvPr/>
           </p:nvCxnSpPr>
@@ -16474,7 +16466,13 @@
         </p:cxnSp>
         <p:cxnSp>
           <p:nvCxnSpPr>
-            <p:cNvPr id="77" name="Прямая соединительная линия 76"/>
+            <p:cNvPr id="17" name="Прямая соединительная линия 16">
+              <a:extLst>
+                <a:ext uri="{FF2B5EF4-FFF2-40B4-BE49-F238E27FC236}">
+                  <a16:creationId xmlns:a16="http://schemas.microsoft.com/office/drawing/2014/main" id="{51C6620F-C53D-4ABF-A6FD-C5EB7847D3A9}"/>
+                </a:ext>
+              </a:extLst>
+            </p:cNvPr>
             <p:cNvCxnSpPr/>
             <p:nvPr/>
           </p:nvCxnSpPr>
@@ -16509,7 +16507,13 @@
         </p:cxnSp>
         <p:cxnSp>
           <p:nvCxnSpPr>
-            <p:cNvPr id="78" name="Прямая соединительная линия 77"/>
+            <p:cNvPr id="18" name="Прямая соединительная линия 17">
+              <a:extLst>
+                <a:ext uri="{FF2B5EF4-FFF2-40B4-BE49-F238E27FC236}">
+                  <a16:creationId xmlns:a16="http://schemas.microsoft.com/office/drawing/2014/main" id="{CCD669AA-1A59-4CFD-8DEB-6F7E290B77D0}"/>
+                </a:ext>
+              </a:extLst>
+            </p:cNvPr>
             <p:cNvCxnSpPr/>
             <p:nvPr/>
           </p:nvCxnSpPr>
@@ -16544,7 +16548,13 @@
         </p:cxnSp>
         <p:cxnSp>
           <p:nvCxnSpPr>
-            <p:cNvPr id="79" name="Прямая соединительная линия 78"/>
+            <p:cNvPr id="19" name="Прямая соединительная линия 18">
+              <a:extLst>
+                <a:ext uri="{FF2B5EF4-FFF2-40B4-BE49-F238E27FC236}">
+                  <a16:creationId xmlns:a16="http://schemas.microsoft.com/office/drawing/2014/main" id="{FAA607D5-0955-4484-9794-690C23F4A7EF}"/>
+                </a:ext>
+              </a:extLst>
+            </p:cNvPr>
             <p:cNvCxnSpPr/>
             <p:nvPr/>
           </p:nvCxnSpPr>
@@ -16579,7 +16589,13 @@
         </p:cxnSp>
         <p:cxnSp>
           <p:nvCxnSpPr>
-            <p:cNvPr id="80" name="Прямая соединительная линия 79"/>
+            <p:cNvPr id="20" name="Прямая соединительная линия 19">
+              <a:extLst>
+                <a:ext uri="{FF2B5EF4-FFF2-40B4-BE49-F238E27FC236}">
+                  <a16:creationId xmlns:a16="http://schemas.microsoft.com/office/drawing/2014/main" id="{D3B3077B-708D-4DC1-B279-7508FA86DB92}"/>
+                </a:ext>
+              </a:extLst>
+            </p:cNvPr>
             <p:cNvCxnSpPr/>
             <p:nvPr/>
           </p:nvCxnSpPr>
@@ -16614,7 +16630,13 @@
         </p:cxnSp>
         <p:cxnSp>
           <p:nvCxnSpPr>
-            <p:cNvPr id="81" name="Прямая соединительная линия 80"/>
+            <p:cNvPr id="21" name="Прямая соединительная линия 20">
+              <a:extLst>
+                <a:ext uri="{FF2B5EF4-FFF2-40B4-BE49-F238E27FC236}">
+                  <a16:creationId xmlns:a16="http://schemas.microsoft.com/office/drawing/2014/main" id="{0A693D81-D220-4CC5-8E37-39C50B9EB1F2}"/>
+                </a:ext>
+              </a:extLst>
+            </p:cNvPr>
             <p:cNvCxnSpPr/>
             <p:nvPr/>
           </p:nvCxnSpPr>
@@ -16649,7 +16671,13 @@
         </p:cxnSp>
         <p:cxnSp>
           <p:nvCxnSpPr>
-            <p:cNvPr id="83" name="Прямая соединительная линия 82"/>
+            <p:cNvPr id="22" name="Прямая соединительная линия 21">
+              <a:extLst>
+                <a:ext uri="{FF2B5EF4-FFF2-40B4-BE49-F238E27FC236}">
+                  <a16:creationId xmlns:a16="http://schemas.microsoft.com/office/drawing/2014/main" id="{6086B87F-1C7D-4216-9176-0A11FCC08B83}"/>
+                </a:ext>
+              </a:extLst>
+            </p:cNvPr>
             <p:cNvCxnSpPr/>
             <p:nvPr/>
           </p:nvCxnSpPr>
@@ -16684,7 +16712,13 @@
         </p:cxnSp>
         <p:cxnSp>
           <p:nvCxnSpPr>
-            <p:cNvPr id="84" name="Прямая соединительная линия 83"/>
+            <p:cNvPr id="23" name="Прямая соединительная линия 22">
+              <a:extLst>
+                <a:ext uri="{FF2B5EF4-FFF2-40B4-BE49-F238E27FC236}">
+                  <a16:creationId xmlns:a16="http://schemas.microsoft.com/office/drawing/2014/main" id="{EB26D514-751D-4E57-BA2C-DA91D0978B3F}"/>
+                </a:ext>
+              </a:extLst>
+            </p:cNvPr>
             <p:cNvCxnSpPr/>
             <p:nvPr/>
           </p:nvCxnSpPr>
@@ -16719,7 +16753,13 @@
         </p:cxnSp>
         <p:cxnSp>
           <p:nvCxnSpPr>
-            <p:cNvPr id="85" name="Прямая соединительная линия 84"/>
+            <p:cNvPr id="24" name="Прямая соединительная линия 23">
+              <a:extLst>
+                <a:ext uri="{FF2B5EF4-FFF2-40B4-BE49-F238E27FC236}">
+                  <a16:creationId xmlns:a16="http://schemas.microsoft.com/office/drawing/2014/main" id="{4FAE3897-72F2-464D-861A-516D9BC4DFFB}"/>
+                </a:ext>
+              </a:extLst>
+            </p:cNvPr>
             <p:cNvCxnSpPr/>
             <p:nvPr/>
           </p:nvCxnSpPr>
@@ -16754,7 +16794,13 @@
         </p:cxnSp>
         <p:sp>
           <p:nvSpPr>
-            <p:cNvPr id="86" name="TextBox 85"/>
+            <p:cNvPr id="25" name="TextBox 24">
+              <a:extLst>
+                <a:ext uri="{FF2B5EF4-FFF2-40B4-BE49-F238E27FC236}">
+                  <a16:creationId xmlns:a16="http://schemas.microsoft.com/office/drawing/2014/main" id="{02D2D0A8-A5B4-45EF-A8AB-13E4BA2EC073}"/>
+                </a:ext>
+              </a:extLst>
+            </p:cNvPr>
             <p:cNvSpPr txBox="1"/>
             <p:nvPr/>
           </p:nvSpPr>
@@ -16784,7 +16830,13 @@
         </p:sp>
         <p:sp>
           <p:nvSpPr>
-            <p:cNvPr id="87" name="TextBox 86"/>
+            <p:cNvPr id="26" name="TextBox 25">
+              <a:extLst>
+                <a:ext uri="{FF2B5EF4-FFF2-40B4-BE49-F238E27FC236}">
+                  <a16:creationId xmlns:a16="http://schemas.microsoft.com/office/drawing/2014/main" id="{C5423DBF-9680-4E67-9C11-BC7BF5705237}"/>
+                </a:ext>
+              </a:extLst>
+            </p:cNvPr>
             <p:cNvSpPr txBox="1"/>
             <p:nvPr/>
           </p:nvSpPr>
@@ -16814,7 +16866,13 @@
         </p:sp>
         <p:cxnSp>
           <p:nvCxnSpPr>
-            <p:cNvPr id="88" name="Прямая соединительная линия 87"/>
+            <p:cNvPr id="27" name="Прямая соединительная линия 26">
+              <a:extLst>
+                <a:ext uri="{FF2B5EF4-FFF2-40B4-BE49-F238E27FC236}">
+                  <a16:creationId xmlns:a16="http://schemas.microsoft.com/office/drawing/2014/main" id="{F133EE0F-C32B-47E7-9D2F-9E0F2B382152}"/>
+                </a:ext>
+              </a:extLst>
+            </p:cNvPr>
             <p:cNvCxnSpPr/>
             <p:nvPr/>
           </p:nvCxnSpPr>
@@ -16849,7 +16907,13 @@
         </p:cxnSp>
         <p:cxnSp>
           <p:nvCxnSpPr>
-            <p:cNvPr id="89" name="Прямая соединительная линия 88"/>
+            <p:cNvPr id="28" name="Прямая соединительная линия 27">
+              <a:extLst>
+                <a:ext uri="{FF2B5EF4-FFF2-40B4-BE49-F238E27FC236}">
+                  <a16:creationId xmlns:a16="http://schemas.microsoft.com/office/drawing/2014/main" id="{A32D48BA-239C-486E-85E0-FDBA64E5FDC0}"/>
+                </a:ext>
+              </a:extLst>
+            </p:cNvPr>
             <p:cNvCxnSpPr/>
             <p:nvPr/>
           </p:nvCxnSpPr>
@@ -16884,7 +16948,13 @@
         </p:cxnSp>
         <p:sp>
           <p:nvSpPr>
-            <p:cNvPr id="90" name="TextBox 89"/>
+            <p:cNvPr id="29" name="TextBox 28">
+              <a:extLst>
+                <a:ext uri="{FF2B5EF4-FFF2-40B4-BE49-F238E27FC236}">
+                  <a16:creationId xmlns:a16="http://schemas.microsoft.com/office/drawing/2014/main" id="{91AD0709-7DEA-42DC-8EB4-20DC776BE6EF}"/>
+                </a:ext>
+              </a:extLst>
+            </p:cNvPr>
             <p:cNvSpPr txBox="1"/>
             <p:nvPr/>
           </p:nvSpPr>
@@ -16914,7 +16984,13 @@
         </p:sp>
         <p:sp>
           <p:nvSpPr>
-            <p:cNvPr id="91" name="TextBox 90"/>
+            <p:cNvPr id="30" name="TextBox 29">
+              <a:extLst>
+                <a:ext uri="{FF2B5EF4-FFF2-40B4-BE49-F238E27FC236}">
+                  <a16:creationId xmlns:a16="http://schemas.microsoft.com/office/drawing/2014/main" id="{E691F81F-4795-4730-A048-76D076DABD02}"/>
+                </a:ext>
+              </a:extLst>
+            </p:cNvPr>
             <p:cNvSpPr txBox="1"/>
             <p:nvPr/>
           </p:nvSpPr>
@@ -16944,7 +17020,13 @@
         </p:sp>
         <p:sp>
           <p:nvSpPr>
-            <p:cNvPr id="92" name="TextBox 91"/>
+            <p:cNvPr id="31" name="TextBox 30">
+              <a:extLst>
+                <a:ext uri="{FF2B5EF4-FFF2-40B4-BE49-F238E27FC236}">
+                  <a16:creationId xmlns:a16="http://schemas.microsoft.com/office/drawing/2014/main" id="{0662883E-4307-41CA-9534-41A9FF351465}"/>
+                </a:ext>
+              </a:extLst>
+            </p:cNvPr>
             <p:cNvSpPr txBox="1"/>
             <p:nvPr/>
           </p:nvSpPr>
@@ -16974,7 +17056,13 @@
         </p:sp>
         <p:sp>
           <p:nvSpPr>
-            <p:cNvPr id="93" name="TextBox 92"/>
+            <p:cNvPr id="32" name="TextBox 31">
+              <a:extLst>
+                <a:ext uri="{FF2B5EF4-FFF2-40B4-BE49-F238E27FC236}">
+                  <a16:creationId xmlns:a16="http://schemas.microsoft.com/office/drawing/2014/main" id="{84F86089-4CEB-4EAF-9C7C-87D1E676ECF1}"/>
+                </a:ext>
+              </a:extLst>
+            </p:cNvPr>
             <p:cNvSpPr txBox="1"/>
             <p:nvPr/>
           </p:nvSpPr>
@@ -17004,7 +17092,13 @@
         </p:sp>
         <p:sp>
           <p:nvSpPr>
-            <p:cNvPr id="94" name="TextBox 93"/>
+            <p:cNvPr id="33" name="TextBox 32">
+              <a:extLst>
+                <a:ext uri="{FF2B5EF4-FFF2-40B4-BE49-F238E27FC236}">
+                  <a16:creationId xmlns:a16="http://schemas.microsoft.com/office/drawing/2014/main" id="{74D62312-DFB3-4F74-8ECB-2C5FC4C35FA4}"/>
+                </a:ext>
+              </a:extLst>
+            </p:cNvPr>
             <p:cNvSpPr txBox="1"/>
             <p:nvPr/>
           </p:nvSpPr>
@@ -17034,7 +17128,13 @@
         </p:sp>
         <p:sp>
           <p:nvSpPr>
-            <p:cNvPr id="95" name="TextBox 94"/>
+            <p:cNvPr id="34" name="TextBox 33">
+              <a:extLst>
+                <a:ext uri="{FF2B5EF4-FFF2-40B4-BE49-F238E27FC236}">
+                  <a16:creationId xmlns:a16="http://schemas.microsoft.com/office/drawing/2014/main" id="{38254416-CF37-4E1F-81C6-016E5AF4D5BD}"/>
+                </a:ext>
+              </a:extLst>
+            </p:cNvPr>
             <p:cNvSpPr txBox="1"/>
             <p:nvPr/>
           </p:nvSpPr>
@@ -17064,7 +17164,13 @@
         </p:sp>
         <p:sp>
           <p:nvSpPr>
-            <p:cNvPr id="96" name="TextBox 95"/>
+            <p:cNvPr id="35" name="TextBox 34">
+              <a:extLst>
+                <a:ext uri="{FF2B5EF4-FFF2-40B4-BE49-F238E27FC236}">
+                  <a16:creationId xmlns:a16="http://schemas.microsoft.com/office/drawing/2014/main" id="{5888F773-C96D-4A14-9B39-BF08B4BA80A8}"/>
+                </a:ext>
+              </a:extLst>
+            </p:cNvPr>
             <p:cNvSpPr txBox="1"/>
             <p:nvPr/>
           </p:nvSpPr>
@@ -17094,252 +17200,602 @@
           </p:txBody>
         </p:sp>
       </p:grpSp>
-      <p:sp>
-        <p:nvSpPr>
-          <p:cNvPr id="75" name="Прямоугольник 74">
+      <p:grpSp>
+        <p:nvGrpSpPr>
+          <p:cNvPr id="36" name="Группа 35">
             <a:extLst>
               <a:ext uri="{FF2B5EF4-FFF2-40B4-BE49-F238E27FC236}">
-                <a16:creationId xmlns:a16="http://schemas.microsoft.com/office/drawing/2014/main" id="{34CC6A60-2202-4AB6-B38C-56D0491D80DC}"/>
+                <a16:creationId xmlns:a16="http://schemas.microsoft.com/office/drawing/2014/main" id="{0CC130FF-5E01-4162-8BB4-B38DA63943D8}"/>
               </a:ext>
             </a:extLst>
           </p:cNvPr>
-          <p:cNvSpPr/>
+          <p:cNvGrpSpPr/>
           <p:nvPr/>
-        </p:nvSpPr>
-        <p:spPr>
+        </p:nvGrpSpPr>
+        <p:grpSpPr>
           <a:xfrm>
-            <a:off x="4075435" y="747510"/>
-            <a:ext cx="1250727" cy="711262"/>
+            <a:off x="5091632" y="2186590"/>
+            <a:ext cx="6898105" cy="3855199"/>
+            <a:chOff x="892000" y="747510"/>
+            <a:chExt cx="6004811" cy="3320458"/>
           </a:xfrm>
-          <a:prstGeom prst="rect">
-            <a:avLst/>
-          </a:prstGeom>
-        </p:spPr>
-        <p:style>
-          <a:lnRef idx="2">
-            <a:schemeClr val="accent2">
-              <a:shade val="50000"/>
-            </a:schemeClr>
-          </a:lnRef>
-          <a:fillRef idx="1">
-            <a:schemeClr val="accent2"/>
-          </a:fillRef>
-          <a:effectRef idx="0">
-            <a:schemeClr val="accent2"/>
-          </a:effectRef>
-          <a:fontRef idx="minor">
-            <a:schemeClr val="lt1"/>
-          </a:fontRef>
-        </p:style>
-        <p:txBody>
-          <a:bodyPr rtlCol="0" anchor="ctr"/>
-          <a:lstStyle/>
-          <a:p>
-            <a:pPr algn="ctr"/>
-            <a:r>
-              <a:rPr lang="en-US" dirty="0"/>
-              <a:t>Lowpass FIR</a:t>
-            </a:r>
-            <a:endParaRPr lang="ru-RU" dirty="0"/>
-          </a:p>
-        </p:txBody>
-      </p:sp>
-      <p:sp>
-        <p:nvSpPr>
-          <p:cNvPr id="82" name="Прямоугольник 81">
-            <a:extLst>
-              <a:ext uri="{FF2B5EF4-FFF2-40B4-BE49-F238E27FC236}">
-                <a16:creationId xmlns:a16="http://schemas.microsoft.com/office/drawing/2014/main" id="{A6787860-1448-49B6-B5FF-9A41ACF0E642}"/>
-              </a:ext>
-            </a:extLst>
-          </p:cNvPr>
-          <p:cNvSpPr/>
-          <p:nvPr/>
-        </p:nvSpPr>
-        <p:spPr>
-          <a:xfrm>
-            <a:off x="4062384" y="1768774"/>
-            <a:ext cx="1250727" cy="711262"/>
-          </a:xfrm>
-          <a:prstGeom prst="rect">
-            <a:avLst/>
-          </a:prstGeom>
-        </p:spPr>
-        <p:style>
-          <a:lnRef idx="2">
-            <a:schemeClr val="accent2">
-              <a:shade val="50000"/>
-            </a:schemeClr>
-          </a:lnRef>
-          <a:fillRef idx="1">
-            <a:schemeClr val="accent2"/>
-          </a:fillRef>
-          <a:effectRef idx="0">
-            <a:schemeClr val="accent2"/>
-          </a:effectRef>
-          <a:fontRef idx="minor">
-            <a:schemeClr val="lt1"/>
-          </a:fontRef>
-        </p:style>
-        <p:txBody>
-          <a:bodyPr rtlCol="0" anchor="ctr"/>
-          <a:lstStyle/>
-          <a:p>
-            <a:pPr algn="ctr"/>
-            <a:r>
-              <a:rPr lang="en-US" dirty="0"/>
-              <a:t>Bandpass FIR</a:t>
-            </a:r>
-            <a:endParaRPr lang="ru-RU" dirty="0"/>
-          </a:p>
-        </p:txBody>
-      </p:sp>
-      <p:sp>
-        <p:nvSpPr>
-          <p:cNvPr id="98" name="Прямоугольник 97">
-            <a:extLst>
-              <a:ext uri="{FF2B5EF4-FFF2-40B4-BE49-F238E27FC236}">
-                <a16:creationId xmlns:a16="http://schemas.microsoft.com/office/drawing/2014/main" id="{032FE8EF-6941-40A7-AEE6-84FAC3C20896}"/>
-              </a:ext>
-            </a:extLst>
-          </p:cNvPr>
-          <p:cNvSpPr/>
-          <p:nvPr/>
-        </p:nvSpPr>
-        <p:spPr>
-          <a:xfrm>
-            <a:off x="4075435" y="2790038"/>
-            <a:ext cx="1250727" cy="711262"/>
-          </a:xfrm>
-          <a:prstGeom prst="rect">
-            <a:avLst/>
-          </a:prstGeom>
-        </p:spPr>
-        <p:style>
-          <a:lnRef idx="2">
-            <a:schemeClr val="accent2">
-              <a:shade val="50000"/>
-            </a:schemeClr>
-          </a:lnRef>
-          <a:fillRef idx="1">
-            <a:schemeClr val="accent2"/>
-          </a:fillRef>
-          <a:effectRef idx="0">
-            <a:schemeClr val="accent2"/>
-          </a:effectRef>
-          <a:fontRef idx="minor">
-            <a:schemeClr val="lt1"/>
-          </a:fontRef>
-        </p:style>
-        <p:txBody>
-          <a:bodyPr rtlCol="0" anchor="ctr"/>
-          <a:lstStyle/>
-          <a:p>
-            <a:pPr algn="ctr"/>
-            <a:r>
-              <a:rPr lang="en-US" dirty="0"/>
-              <a:t>Highpass FIR</a:t>
-            </a:r>
-            <a:endParaRPr lang="ru-RU" dirty="0"/>
-          </a:p>
-        </p:txBody>
-      </p:sp>
-      <p:sp>
-        <p:nvSpPr>
-          <p:cNvPr id="99" name="Стрелка вниз 64">
-            <a:extLst>
-              <a:ext uri="{FF2B5EF4-FFF2-40B4-BE49-F238E27FC236}">
-                <a16:creationId xmlns:a16="http://schemas.microsoft.com/office/drawing/2014/main" id="{F907446C-2F2C-443F-8427-611836D5E19B}"/>
-              </a:ext>
-            </a:extLst>
-          </p:cNvPr>
-          <p:cNvSpPr/>
-          <p:nvPr/>
-        </p:nvSpPr>
-        <p:spPr>
-          <a:xfrm rot="16200000">
-            <a:off x="3743204" y="2012042"/>
-            <a:ext cx="325121" cy="290392"/>
-          </a:xfrm>
-          <a:prstGeom prst="downArrow">
-            <a:avLst/>
-          </a:prstGeom>
-        </p:spPr>
-        <p:style>
-          <a:lnRef idx="2">
-            <a:schemeClr val="accent1">
-              <a:shade val="50000"/>
-            </a:schemeClr>
-          </a:lnRef>
-          <a:fillRef idx="1">
-            <a:schemeClr val="accent1"/>
-          </a:fillRef>
-          <a:effectRef idx="0">
-            <a:schemeClr val="accent1"/>
-          </a:effectRef>
-          <a:fontRef idx="minor">
-            <a:schemeClr val="lt1"/>
-          </a:fontRef>
-        </p:style>
-        <p:txBody>
-          <a:bodyPr rtlCol="0" anchor="ctr"/>
-          <a:lstStyle/>
-          <a:p>
-            <a:pPr algn="ctr"/>
-            <a:endParaRPr lang="ru-RU"/>
-          </a:p>
-        </p:txBody>
-      </p:sp>
-      <p:sp>
-        <p:nvSpPr>
-          <p:cNvPr id="100" name="Стрелка вниз 64">
-            <a:extLst>
-              <a:ext uri="{FF2B5EF4-FFF2-40B4-BE49-F238E27FC236}">
-                <a16:creationId xmlns:a16="http://schemas.microsoft.com/office/drawing/2014/main" id="{2C09515D-83D7-49E0-886C-7F36DF8BC8A2}"/>
-              </a:ext>
-            </a:extLst>
-          </p:cNvPr>
-          <p:cNvSpPr/>
-          <p:nvPr/>
-        </p:nvSpPr>
-        <p:spPr>
-          <a:xfrm rot="16200000">
-            <a:off x="5325473" y="1999762"/>
-            <a:ext cx="325121" cy="290392"/>
-          </a:xfrm>
-          <a:prstGeom prst="downArrow">
-            <a:avLst/>
-          </a:prstGeom>
-        </p:spPr>
-        <p:style>
-          <a:lnRef idx="2">
-            <a:schemeClr val="accent1">
-              <a:shade val="50000"/>
-            </a:schemeClr>
-          </a:lnRef>
-          <a:fillRef idx="1">
-            <a:schemeClr val="accent1"/>
-          </a:fillRef>
-          <a:effectRef idx="0">
-            <a:schemeClr val="accent1"/>
-          </a:effectRef>
-          <a:fontRef idx="minor">
-            <a:schemeClr val="lt1"/>
-          </a:fontRef>
-        </p:style>
-        <p:txBody>
-          <a:bodyPr rtlCol="0" anchor="ctr"/>
-          <a:lstStyle/>
-          <a:p>
-            <a:pPr algn="ctr"/>
-            <a:endParaRPr lang="ru-RU"/>
-          </a:p>
-        </p:txBody>
-      </p:sp>
+        </p:grpSpPr>
+        <p:sp>
+          <p:nvSpPr>
+            <p:cNvPr id="37" name="Прямоугольник 36">
+              <a:extLst>
+                <a:ext uri="{FF2B5EF4-FFF2-40B4-BE49-F238E27FC236}">
+                  <a16:creationId xmlns:a16="http://schemas.microsoft.com/office/drawing/2014/main" id="{AA258F64-561C-46BD-9C1B-B6251DE0AF00}"/>
+                </a:ext>
+              </a:extLst>
+            </p:cNvPr>
+            <p:cNvSpPr/>
+            <p:nvPr/>
+          </p:nvSpPr>
+          <p:spPr>
+            <a:xfrm>
+              <a:off x="892000" y="747510"/>
+              <a:ext cx="1250727" cy="711262"/>
+            </a:xfrm>
+            <a:prstGeom prst="rect">
+              <a:avLst/>
+            </a:prstGeom>
+          </p:spPr>
+          <p:style>
+            <a:lnRef idx="2">
+              <a:schemeClr val="accent2">
+                <a:shade val="50000"/>
+              </a:schemeClr>
+            </a:lnRef>
+            <a:fillRef idx="1">
+              <a:schemeClr val="accent2"/>
+            </a:fillRef>
+            <a:effectRef idx="0">
+              <a:schemeClr val="accent2"/>
+            </a:effectRef>
+            <a:fontRef idx="minor">
+              <a:schemeClr val="lt1"/>
+            </a:fontRef>
+          </p:style>
+          <p:txBody>
+            <a:bodyPr rtlCol="0" anchor="ctr"/>
+            <a:lstStyle/>
+            <a:p>
+              <a:pPr algn="ctr"/>
+              <a:r>
+                <a:rPr lang="en-US" dirty="0"/>
+                <a:t>Virtual IO</a:t>
+              </a:r>
+              <a:endParaRPr lang="ru-RU" dirty="0"/>
+            </a:p>
+          </p:txBody>
+        </p:sp>
+        <p:sp>
+          <p:nvSpPr>
+            <p:cNvPr id="38" name="Прямоугольник 37">
+              <a:extLst>
+                <a:ext uri="{FF2B5EF4-FFF2-40B4-BE49-F238E27FC236}">
+                  <a16:creationId xmlns:a16="http://schemas.microsoft.com/office/drawing/2014/main" id="{A4D07CAB-B729-443C-8042-1B96B3C0AC53}"/>
+                </a:ext>
+              </a:extLst>
+            </p:cNvPr>
+            <p:cNvSpPr/>
+            <p:nvPr/>
+          </p:nvSpPr>
+          <p:spPr>
+            <a:xfrm>
+              <a:off x="5646084" y="1768774"/>
+              <a:ext cx="1250727" cy="711262"/>
+            </a:xfrm>
+            <a:prstGeom prst="rect">
+              <a:avLst/>
+            </a:prstGeom>
+          </p:spPr>
+          <p:style>
+            <a:lnRef idx="2">
+              <a:schemeClr val="accent2">
+                <a:shade val="50000"/>
+              </a:schemeClr>
+            </a:lnRef>
+            <a:fillRef idx="1">
+              <a:schemeClr val="accent2"/>
+            </a:fillRef>
+            <a:effectRef idx="0">
+              <a:schemeClr val="accent2"/>
+            </a:effectRef>
+            <a:fontRef idx="minor">
+              <a:schemeClr val="lt1"/>
+            </a:fontRef>
+          </p:style>
+          <p:txBody>
+            <a:bodyPr rtlCol="0" anchor="ctr"/>
+            <a:lstStyle/>
+            <a:p>
+              <a:pPr algn="ctr"/>
+              <a:r>
+                <a:rPr lang="en-US" dirty="0"/>
+                <a:t>System ILA</a:t>
+              </a:r>
+              <a:endParaRPr lang="ru-RU" dirty="0"/>
+            </a:p>
+          </p:txBody>
+        </p:sp>
+        <p:sp>
+          <p:nvSpPr>
+            <p:cNvPr id="39" name="Прямоугольник 38">
+              <a:extLst>
+                <a:ext uri="{FF2B5EF4-FFF2-40B4-BE49-F238E27FC236}">
+                  <a16:creationId xmlns:a16="http://schemas.microsoft.com/office/drawing/2014/main" id="{5A155871-4E5C-4CED-82BB-1E2E50B3E4DB}"/>
+                </a:ext>
+              </a:extLst>
+            </p:cNvPr>
+            <p:cNvSpPr/>
+            <p:nvPr/>
+          </p:nvSpPr>
+          <p:spPr>
+            <a:xfrm>
+              <a:off x="892000" y="1792856"/>
+              <a:ext cx="1250727" cy="711262"/>
+            </a:xfrm>
+            <a:prstGeom prst="rect">
+              <a:avLst/>
+            </a:prstGeom>
+          </p:spPr>
+          <p:style>
+            <a:lnRef idx="2">
+              <a:schemeClr val="accent2">
+                <a:shade val="50000"/>
+              </a:schemeClr>
+            </a:lnRef>
+            <a:fillRef idx="1">
+              <a:schemeClr val="accent2"/>
+            </a:fillRef>
+            <a:effectRef idx="0">
+              <a:schemeClr val="accent2"/>
+            </a:effectRef>
+            <a:fontRef idx="minor">
+              <a:schemeClr val="lt1"/>
+            </a:fontRef>
+          </p:style>
+          <p:txBody>
+            <a:bodyPr rtlCol="0" anchor="ctr"/>
+            <a:lstStyle/>
+            <a:p>
+              <a:pPr algn="ctr"/>
+              <a:r>
+                <a:rPr lang="en-US" dirty="0"/>
+                <a:t>Controller DDS</a:t>
+              </a:r>
+              <a:endParaRPr lang="ru-RU" dirty="0"/>
+            </a:p>
+          </p:txBody>
+        </p:sp>
+        <p:sp>
+          <p:nvSpPr>
+            <p:cNvPr id="40" name="Прямоугольник 39">
+              <a:extLst>
+                <a:ext uri="{FF2B5EF4-FFF2-40B4-BE49-F238E27FC236}">
+                  <a16:creationId xmlns:a16="http://schemas.microsoft.com/office/drawing/2014/main" id="{D8128254-195F-41C0-9E9D-354557804B08}"/>
+                </a:ext>
+              </a:extLst>
+            </p:cNvPr>
+            <p:cNvSpPr/>
+            <p:nvPr/>
+          </p:nvSpPr>
+          <p:spPr>
+            <a:xfrm>
+              <a:off x="2478684" y="1789328"/>
+              <a:ext cx="1250727" cy="711262"/>
+            </a:xfrm>
+            <a:prstGeom prst="rect">
+              <a:avLst/>
+            </a:prstGeom>
+          </p:spPr>
+          <p:style>
+            <a:lnRef idx="2">
+              <a:schemeClr val="accent2">
+                <a:shade val="50000"/>
+              </a:schemeClr>
+            </a:lnRef>
+            <a:fillRef idx="1">
+              <a:schemeClr val="accent2"/>
+            </a:fillRef>
+            <a:effectRef idx="0">
+              <a:schemeClr val="accent2"/>
+            </a:effectRef>
+            <a:fontRef idx="minor">
+              <a:schemeClr val="lt1"/>
+            </a:fontRef>
+          </p:style>
+          <p:txBody>
+            <a:bodyPr rtlCol="0" anchor="ctr"/>
+            <a:lstStyle/>
+            <a:p>
+              <a:pPr algn="ctr"/>
+              <a:r>
+                <a:rPr lang="en-US" dirty="0"/>
+                <a:t>DDS compiler</a:t>
+              </a:r>
+              <a:endParaRPr lang="ru-RU" dirty="0"/>
+            </a:p>
+          </p:txBody>
+        </p:sp>
+        <p:sp>
+          <p:nvSpPr>
+            <p:cNvPr id="41" name="Стрелка вниз 62">
+              <a:extLst>
+                <a:ext uri="{FF2B5EF4-FFF2-40B4-BE49-F238E27FC236}">
+                  <a16:creationId xmlns:a16="http://schemas.microsoft.com/office/drawing/2014/main" id="{335671CE-4BD4-48AD-9DA4-C6D2959E8DBB}"/>
+                </a:ext>
+              </a:extLst>
+            </p:cNvPr>
+            <p:cNvSpPr/>
+            <p:nvPr/>
+          </p:nvSpPr>
+          <p:spPr>
+            <a:xfrm>
+              <a:off x="1354802" y="1491900"/>
+              <a:ext cx="325121" cy="269847"/>
+            </a:xfrm>
+            <a:prstGeom prst="downArrow">
+              <a:avLst/>
+            </a:prstGeom>
+          </p:spPr>
+          <p:style>
+            <a:lnRef idx="2">
+              <a:schemeClr val="accent1">
+                <a:shade val="50000"/>
+              </a:schemeClr>
+            </a:lnRef>
+            <a:fillRef idx="1">
+              <a:schemeClr val="accent1"/>
+            </a:fillRef>
+            <a:effectRef idx="0">
+              <a:schemeClr val="accent1"/>
+            </a:effectRef>
+            <a:fontRef idx="minor">
+              <a:schemeClr val="lt1"/>
+            </a:fontRef>
+          </p:style>
+          <p:txBody>
+            <a:bodyPr rtlCol="0" anchor="ctr"/>
+            <a:lstStyle/>
+            <a:p>
+              <a:pPr algn="ctr"/>
+              <a:endParaRPr lang="ru-RU"/>
+            </a:p>
+          </p:txBody>
+        </p:sp>
+        <p:sp>
+          <p:nvSpPr>
+            <p:cNvPr id="42" name="Стрелка вниз 64">
+              <a:extLst>
+                <a:ext uri="{FF2B5EF4-FFF2-40B4-BE49-F238E27FC236}">
+                  <a16:creationId xmlns:a16="http://schemas.microsoft.com/office/drawing/2014/main" id="{B172AEEF-0045-4C0E-B600-CF791B983C9E}"/>
+                </a:ext>
+              </a:extLst>
+            </p:cNvPr>
+            <p:cNvSpPr/>
+            <p:nvPr/>
+          </p:nvSpPr>
+          <p:spPr>
+            <a:xfrm rot="16200000">
+              <a:off x="2160029" y="1966167"/>
+              <a:ext cx="325121" cy="290392"/>
+            </a:xfrm>
+            <a:prstGeom prst="downArrow">
+              <a:avLst/>
+            </a:prstGeom>
+          </p:spPr>
+          <p:style>
+            <a:lnRef idx="2">
+              <a:schemeClr val="accent1">
+                <a:shade val="50000"/>
+              </a:schemeClr>
+            </a:lnRef>
+            <a:fillRef idx="1">
+              <a:schemeClr val="accent1"/>
+            </a:fillRef>
+            <a:effectRef idx="0">
+              <a:schemeClr val="accent1"/>
+            </a:effectRef>
+            <a:fontRef idx="minor">
+              <a:schemeClr val="lt1"/>
+            </a:fontRef>
+          </p:style>
+          <p:txBody>
+            <a:bodyPr rtlCol="0" anchor="ctr"/>
+            <a:lstStyle/>
+            <a:p>
+              <a:pPr algn="ctr"/>
+              <a:endParaRPr lang="ru-RU"/>
+            </a:p>
+          </p:txBody>
+        </p:sp>
+        <p:sp>
+          <p:nvSpPr>
+            <p:cNvPr id="43" name="TextBox 42">
+              <a:extLst>
+                <a:ext uri="{FF2B5EF4-FFF2-40B4-BE49-F238E27FC236}">
+                  <a16:creationId xmlns:a16="http://schemas.microsoft.com/office/drawing/2014/main" id="{1F2C5EAF-4499-466C-80F1-19508E9D7E1E}"/>
+                </a:ext>
+              </a:extLst>
+            </p:cNvPr>
+            <p:cNvSpPr txBox="1"/>
+            <p:nvPr/>
+          </p:nvSpPr>
+          <p:spPr>
+            <a:xfrm>
+              <a:off x="1659869" y="3698636"/>
+              <a:ext cx="4491789" cy="369332"/>
+            </a:xfrm>
+            <a:prstGeom prst="rect">
+              <a:avLst/>
+            </a:prstGeom>
+            <a:noFill/>
+          </p:spPr>
+          <p:txBody>
+            <a:bodyPr wrap="square" rtlCol="0">
+              <a:spAutoFit/>
+            </a:bodyPr>
+            <a:lstStyle/>
+            <a:p>
+              <a:pPr algn="ctr"/>
+              <a:r>
+                <a:rPr lang="en-US" dirty="0"/>
+                <a:t>Hardware design for FPGA</a:t>
+              </a:r>
+              <a:endParaRPr lang="ru-RU" dirty="0"/>
+            </a:p>
+          </p:txBody>
+        </p:sp>
+        <p:sp>
+          <p:nvSpPr>
+            <p:cNvPr id="44" name="Прямоугольник 43">
+              <a:extLst>
+                <a:ext uri="{FF2B5EF4-FFF2-40B4-BE49-F238E27FC236}">
+                  <a16:creationId xmlns:a16="http://schemas.microsoft.com/office/drawing/2014/main" id="{3402A565-7DAB-47A8-ADC8-852034CE4F8C}"/>
+                </a:ext>
+              </a:extLst>
+            </p:cNvPr>
+            <p:cNvSpPr/>
+            <p:nvPr/>
+          </p:nvSpPr>
+          <p:spPr>
+            <a:xfrm>
+              <a:off x="4075435" y="747510"/>
+              <a:ext cx="1250727" cy="711262"/>
+            </a:xfrm>
+            <a:prstGeom prst="rect">
+              <a:avLst/>
+            </a:prstGeom>
+          </p:spPr>
+          <p:style>
+            <a:lnRef idx="2">
+              <a:schemeClr val="accent2">
+                <a:shade val="50000"/>
+              </a:schemeClr>
+            </a:lnRef>
+            <a:fillRef idx="1">
+              <a:schemeClr val="accent2"/>
+            </a:fillRef>
+            <a:effectRef idx="0">
+              <a:schemeClr val="accent2"/>
+            </a:effectRef>
+            <a:fontRef idx="minor">
+              <a:schemeClr val="lt1"/>
+            </a:fontRef>
+          </p:style>
+          <p:txBody>
+            <a:bodyPr rtlCol="0" anchor="ctr"/>
+            <a:lstStyle/>
+            <a:p>
+              <a:pPr algn="ctr"/>
+              <a:r>
+                <a:rPr lang="en-US" dirty="0"/>
+                <a:t>Lowpass FIR</a:t>
+              </a:r>
+              <a:endParaRPr lang="ru-RU" dirty="0"/>
+            </a:p>
+          </p:txBody>
+        </p:sp>
+        <p:sp>
+          <p:nvSpPr>
+            <p:cNvPr id="45" name="Прямоугольник 44">
+              <a:extLst>
+                <a:ext uri="{FF2B5EF4-FFF2-40B4-BE49-F238E27FC236}">
+                  <a16:creationId xmlns:a16="http://schemas.microsoft.com/office/drawing/2014/main" id="{E9B284F8-9231-4156-AE7B-C9144FBEFE28}"/>
+                </a:ext>
+              </a:extLst>
+            </p:cNvPr>
+            <p:cNvSpPr/>
+            <p:nvPr/>
+          </p:nvSpPr>
+          <p:spPr>
+            <a:xfrm>
+              <a:off x="4062384" y="1768774"/>
+              <a:ext cx="1250727" cy="711262"/>
+            </a:xfrm>
+            <a:prstGeom prst="rect">
+              <a:avLst/>
+            </a:prstGeom>
+          </p:spPr>
+          <p:style>
+            <a:lnRef idx="2">
+              <a:schemeClr val="accent2">
+                <a:shade val="50000"/>
+              </a:schemeClr>
+            </a:lnRef>
+            <a:fillRef idx="1">
+              <a:schemeClr val="accent2"/>
+            </a:fillRef>
+            <a:effectRef idx="0">
+              <a:schemeClr val="accent2"/>
+            </a:effectRef>
+            <a:fontRef idx="minor">
+              <a:schemeClr val="lt1"/>
+            </a:fontRef>
+          </p:style>
+          <p:txBody>
+            <a:bodyPr rtlCol="0" anchor="ctr"/>
+            <a:lstStyle/>
+            <a:p>
+              <a:pPr algn="ctr"/>
+              <a:r>
+                <a:rPr lang="en-US" dirty="0"/>
+                <a:t>Bandpass FIR</a:t>
+              </a:r>
+              <a:endParaRPr lang="ru-RU" dirty="0"/>
+            </a:p>
+          </p:txBody>
+        </p:sp>
+        <p:sp>
+          <p:nvSpPr>
+            <p:cNvPr id="46" name="Прямоугольник 45">
+              <a:extLst>
+                <a:ext uri="{FF2B5EF4-FFF2-40B4-BE49-F238E27FC236}">
+                  <a16:creationId xmlns:a16="http://schemas.microsoft.com/office/drawing/2014/main" id="{C1515C3E-7B42-46AD-9BD6-0B8D0D02954D}"/>
+                </a:ext>
+              </a:extLst>
+            </p:cNvPr>
+            <p:cNvSpPr/>
+            <p:nvPr/>
+          </p:nvSpPr>
+          <p:spPr>
+            <a:xfrm>
+              <a:off x="4075435" y="2790038"/>
+              <a:ext cx="1250727" cy="711262"/>
+            </a:xfrm>
+            <a:prstGeom prst="rect">
+              <a:avLst/>
+            </a:prstGeom>
+          </p:spPr>
+          <p:style>
+            <a:lnRef idx="2">
+              <a:schemeClr val="accent2">
+                <a:shade val="50000"/>
+              </a:schemeClr>
+            </a:lnRef>
+            <a:fillRef idx="1">
+              <a:schemeClr val="accent2"/>
+            </a:fillRef>
+            <a:effectRef idx="0">
+              <a:schemeClr val="accent2"/>
+            </a:effectRef>
+            <a:fontRef idx="minor">
+              <a:schemeClr val="lt1"/>
+            </a:fontRef>
+          </p:style>
+          <p:txBody>
+            <a:bodyPr rtlCol="0" anchor="ctr"/>
+            <a:lstStyle/>
+            <a:p>
+              <a:pPr algn="ctr"/>
+              <a:r>
+                <a:rPr lang="en-US" dirty="0"/>
+                <a:t>Highpass FIR</a:t>
+              </a:r>
+              <a:endParaRPr lang="ru-RU" dirty="0"/>
+            </a:p>
+          </p:txBody>
+        </p:sp>
+        <p:sp>
+          <p:nvSpPr>
+            <p:cNvPr id="47" name="Стрелка вниз 64">
+              <a:extLst>
+                <a:ext uri="{FF2B5EF4-FFF2-40B4-BE49-F238E27FC236}">
+                  <a16:creationId xmlns:a16="http://schemas.microsoft.com/office/drawing/2014/main" id="{A8DA8782-F070-49A5-8FE7-FB23ED27F505}"/>
+                </a:ext>
+              </a:extLst>
+            </p:cNvPr>
+            <p:cNvSpPr/>
+            <p:nvPr/>
+          </p:nvSpPr>
+          <p:spPr>
+            <a:xfrm rot="16200000">
+              <a:off x="3743204" y="2012042"/>
+              <a:ext cx="325121" cy="290392"/>
+            </a:xfrm>
+            <a:prstGeom prst="downArrow">
+              <a:avLst/>
+            </a:prstGeom>
+          </p:spPr>
+          <p:style>
+            <a:lnRef idx="2">
+              <a:schemeClr val="accent1">
+                <a:shade val="50000"/>
+              </a:schemeClr>
+            </a:lnRef>
+            <a:fillRef idx="1">
+              <a:schemeClr val="accent1"/>
+            </a:fillRef>
+            <a:effectRef idx="0">
+              <a:schemeClr val="accent1"/>
+            </a:effectRef>
+            <a:fontRef idx="minor">
+              <a:schemeClr val="lt1"/>
+            </a:fontRef>
+          </p:style>
+          <p:txBody>
+            <a:bodyPr rtlCol="0" anchor="ctr"/>
+            <a:lstStyle/>
+            <a:p>
+              <a:pPr algn="ctr"/>
+              <a:endParaRPr lang="ru-RU"/>
+            </a:p>
+          </p:txBody>
+        </p:sp>
+        <p:sp>
+          <p:nvSpPr>
+            <p:cNvPr id="48" name="Стрелка вниз 64">
+              <a:extLst>
+                <a:ext uri="{FF2B5EF4-FFF2-40B4-BE49-F238E27FC236}">
+                  <a16:creationId xmlns:a16="http://schemas.microsoft.com/office/drawing/2014/main" id="{F6FCFE9B-1914-4BA6-B450-823E7BCD7EE3}"/>
+                </a:ext>
+              </a:extLst>
+            </p:cNvPr>
+            <p:cNvSpPr/>
+            <p:nvPr/>
+          </p:nvSpPr>
+          <p:spPr>
+            <a:xfrm rot="16200000">
+              <a:off x="5325473" y="1999762"/>
+              <a:ext cx="325121" cy="290392"/>
+            </a:xfrm>
+            <a:prstGeom prst="downArrow">
+              <a:avLst/>
+            </a:prstGeom>
+          </p:spPr>
+          <p:style>
+            <a:lnRef idx="2">
+              <a:schemeClr val="accent1">
+                <a:shade val="50000"/>
+              </a:schemeClr>
+            </a:lnRef>
+            <a:fillRef idx="1">
+              <a:schemeClr val="accent1"/>
+            </a:fillRef>
+            <a:effectRef idx="0">
+              <a:schemeClr val="accent1"/>
+            </a:effectRef>
+            <a:fontRef idx="minor">
+              <a:schemeClr val="lt1"/>
+            </a:fontRef>
+          </p:style>
+          <p:txBody>
+            <a:bodyPr rtlCol="0" anchor="ctr"/>
+            <a:lstStyle/>
+            <a:p>
+              <a:pPr algn="ctr"/>
+              <a:endParaRPr lang="ru-RU"/>
+            </a:p>
+          </p:txBody>
+        </p:sp>
+      </p:grpSp>
     </p:spTree>
     <p:extLst>
       <p:ext uri="{BB962C8B-B14F-4D97-AF65-F5344CB8AC3E}">
-        <p14:creationId xmlns:p14="http://schemas.microsoft.com/office/powerpoint/2010/main" val="661678672"/>
+        <p14:creationId xmlns:p14="http://schemas.microsoft.com/office/powerpoint/2010/main" val="552805938"/>
       </p:ext>
     </p:extLst>
   </p:cSld>
